--- a/Presentation/Презентация.pptx
+++ b/Presentation/Презентация.pptx
@@ -11,10 +11,12 @@
     <p:sldId id="263" r:id="rId5"/>
     <p:sldId id="262" r:id="rId6"/>
     <p:sldId id="261" r:id="rId7"/>
-    <p:sldId id="260" r:id="rId8"/>
-    <p:sldId id="264" r:id="rId9"/>
-    <p:sldId id="265" r:id="rId10"/>
-    <p:sldId id="256" r:id="rId11"/>
+    <p:sldId id="264" r:id="rId8"/>
+    <p:sldId id="266" r:id="rId9"/>
+    <p:sldId id="260" r:id="rId10"/>
+    <p:sldId id="265" r:id="rId11"/>
+    <p:sldId id="267" r:id="rId12"/>
+    <p:sldId id="256" r:id="rId13"/>
   </p:sldIdLst>
   <p:sldSz cx="12192000" cy="6858000"/>
   <p:notesSz cx="6858000" cy="9144000"/>
@@ -113,6 +115,11 @@
       </a:defRPr>
     </a:lvl9pPr>
   </p:defaultTextStyle>
+  <p:extLst>
+    <p:ext uri="{EFAFB233-063F-42B5-8137-9DF3F51BA10A}">
+      <p15:sldGuideLst xmlns:p15="http://schemas.microsoft.com/office/powerpoint/2012/main"/>
+    </p:ext>
+  </p:extLst>
 </p:presentation>
 </file>
 
@@ -3109,6 +3116,631 @@
           </a:bodyPr>
           <a:lstStyle/>
           <a:p>
+            <a:r>
+              <a:rPr lang="ru-RU" dirty="0" smtClean="0">
+                <a:latin typeface="Century Gothic" panose="020B0502020202020204" pitchFamily="34" charset="0"/>
+              </a:rPr>
+              <a:t>Команда</a:t>
+            </a:r>
+            <a:endParaRPr lang="ru-RU" dirty="0">
+              <a:latin typeface="Century Gothic" panose="020B0502020202020204" pitchFamily="34" charset="0"/>
+            </a:endParaRPr>
+          </a:p>
+        </p:txBody>
+      </p:sp>
+      <p:sp>
+        <p:nvSpPr>
+          <p:cNvPr id="3" name="Подзаголовок 2"/>
+          <p:cNvSpPr>
+            <a:spLocks noGrp="1"/>
+          </p:cNvSpPr>
+          <p:nvPr>
+            <p:ph type="subTitle" idx="1"/>
+          </p:nvPr>
+        </p:nvSpPr>
+        <p:spPr/>
+        <p:txBody>
+          <a:bodyPr/>
+          <a:lstStyle/>
+          <a:p>
+            <a:r>
+              <a:rPr lang="ru-RU" dirty="0">
+                <a:latin typeface="Century Gothic" panose="020B0502020202020204" pitchFamily="34" charset="0"/>
+              </a:rPr>
+              <a:t> </a:t>
+            </a:r>
+          </a:p>
+        </p:txBody>
+      </p:sp>
+      <p:sp>
+        <p:nvSpPr>
+          <p:cNvPr id="4" name="Прямоугольник 3"/>
+          <p:cNvSpPr/>
+          <p:nvPr/>
+        </p:nvSpPr>
+        <p:spPr>
+          <a:xfrm>
+            <a:off x="1323191" y="2191672"/>
+            <a:ext cx="9843247" cy="3371500"/>
+          </a:xfrm>
+          <a:prstGeom prst="rect">
+            <a:avLst/>
+          </a:prstGeom>
+        </p:spPr>
+        <p:txBody>
+          <a:bodyPr wrap="square">
+            <a:spAutoFit/>
+          </a:bodyPr>
+          <a:lstStyle/>
+          <a:p>
+            <a:pPr>
+              <a:lnSpc>
+                <a:spcPct val="107000"/>
+              </a:lnSpc>
+              <a:spcAft>
+                <a:spcPts val="800"/>
+              </a:spcAft>
+            </a:pPr>
+            <a:r>
+              <a:rPr lang="ru-RU" sz="2400" b="1" dirty="0">
+                <a:solidFill>
+                  <a:srgbClr val="000000"/>
+                </a:solidFill>
+                <a:latin typeface="Tahoma" panose="020B0604030504040204" pitchFamily="34" charset="0"/>
+                <a:ea typeface="Calibri" panose="020F0502020204030204" pitchFamily="34" charset="0"/>
+                <a:cs typeface="Times New Roman" panose="02020603050405020304" pitchFamily="18" charset="0"/>
+              </a:rPr>
+              <a:t>Владислав Кочетков </a:t>
+            </a:r>
+            <a:r>
+              <a:rPr lang="ru-RU" sz="2400" dirty="0">
+                <a:solidFill>
+                  <a:srgbClr val="000000"/>
+                </a:solidFill>
+                <a:latin typeface="Tahoma" panose="020B0604030504040204" pitchFamily="34" charset="0"/>
+                <a:ea typeface="Calibri" panose="020F0502020204030204" pitchFamily="34" charset="0"/>
+                <a:cs typeface="Times New Roman" panose="02020603050405020304" pitchFamily="18" charset="0"/>
+              </a:rPr>
+              <a:t>– </a:t>
+            </a:r>
+            <a:r>
+              <a:rPr lang="ru-RU" sz="2400" dirty="0" smtClean="0">
+                <a:solidFill>
+                  <a:srgbClr val="000000"/>
+                </a:solidFill>
+                <a:latin typeface="Tahoma" panose="020B0604030504040204" pitchFamily="34" charset="0"/>
+                <a:ea typeface="Calibri" panose="020F0502020204030204" pitchFamily="34" charset="0"/>
+                <a:cs typeface="Times New Roman" panose="02020603050405020304" pitchFamily="18" charset="0"/>
+              </a:rPr>
+              <a:t>визионер </a:t>
+            </a:r>
+            <a:r>
+              <a:rPr lang="ru-RU" sz="2400" dirty="0">
+                <a:solidFill>
+                  <a:srgbClr val="000000"/>
+                </a:solidFill>
+                <a:latin typeface="Tahoma" panose="020B0604030504040204" pitchFamily="34" charset="0"/>
+                <a:ea typeface="Calibri" panose="020F0502020204030204" pitchFamily="34" charset="0"/>
+                <a:cs typeface="Times New Roman" panose="02020603050405020304" pitchFamily="18" charset="0"/>
+              </a:rPr>
+              <a:t>- разработка идеи, </a:t>
+            </a:r>
+            <a:endParaRPr lang="ru-RU" sz="2400" dirty="0" smtClean="0">
+              <a:solidFill>
+                <a:srgbClr val="000000"/>
+              </a:solidFill>
+              <a:latin typeface="Tahoma" panose="020B0604030504040204" pitchFamily="34" charset="0"/>
+              <a:ea typeface="Calibri" panose="020F0502020204030204" pitchFamily="34" charset="0"/>
+              <a:cs typeface="Times New Roman" panose="02020603050405020304" pitchFamily="18" charset="0"/>
+            </a:endParaRPr>
+          </a:p>
+          <a:p>
+            <a:pPr>
+              <a:lnSpc>
+                <a:spcPct val="107000"/>
+              </a:lnSpc>
+              <a:spcAft>
+                <a:spcPts val="800"/>
+              </a:spcAft>
+            </a:pPr>
+            <a:r>
+              <a:rPr lang="ru-RU" sz="2400" dirty="0" smtClean="0">
+                <a:solidFill>
+                  <a:srgbClr val="000000"/>
+                </a:solidFill>
+                <a:latin typeface="Tahoma" panose="020B0604030504040204" pitchFamily="34" charset="0"/>
+                <a:ea typeface="Calibri" panose="020F0502020204030204" pitchFamily="34" charset="0"/>
+                <a:cs typeface="Times New Roman" panose="02020603050405020304" pitchFamily="18" charset="0"/>
+              </a:rPr>
+              <a:t>бизнес-модели</a:t>
+            </a:r>
+            <a:r>
+              <a:rPr lang="ru-RU" sz="2400" dirty="0">
+                <a:solidFill>
+                  <a:srgbClr val="000000"/>
+                </a:solidFill>
+                <a:latin typeface="Tahoma" panose="020B0604030504040204" pitchFamily="34" charset="0"/>
+                <a:ea typeface="Calibri" panose="020F0502020204030204" pitchFamily="34" charset="0"/>
+                <a:cs typeface="Times New Roman" panose="02020603050405020304" pitchFamily="18" charset="0"/>
+              </a:rPr>
+              <a:t>, математической логики, упаковка </a:t>
+            </a:r>
+            <a:endParaRPr lang="ru-RU" sz="2400" dirty="0" smtClean="0">
+              <a:effectLst/>
+              <a:latin typeface="Calibri" panose="020F0502020204030204" pitchFamily="34" charset="0"/>
+              <a:ea typeface="Calibri" panose="020F0502020204030204" pitchFamily="34" charset="0"/>
+              <a:cs typeface="Times New Roman" panose="02020603050405020304" pitchFamily="18" charset="0"/>
+            </a:endParaRPr>
+          </a:p>
+          <a:p>
+            <a:pPr>
+              <a:lnSpc>
+                <a:spcPct val="107000"/>
+              </a:lnSpc>
+              <a:spcAft>
+                <a:spcPts val="800"/>
+              </a:spcAft>
+            </a:pPr>
+            <a:r>
+              <a:rPr lang="ru-RU" sz="2400" b="1" dirty="0">
+                <a:solidFill>
+                  <a:srgbClr val="000000"/>
+                </a:solidFill>
+                <a:latin typeface="Tahoma" panose="020B0604030504040204" pitchFamily="34" charset="0"/>
+                <a:ea typeface="Calibri" panose="020F0502020204030204" pitchFamily="34" charset="0"/>
+                <a:cs typeface="Times New Roman" panose="02020603050405020304" pitchFamily="18" charset="0"/>
+              </a:rPr>
+              <a:t>Вадим </a:t>
+            </a:r>
+            <a:r>
+              <a:rPr lang="ru-RU" sz="2400" b="1" dirty="0" err="1" smtClean="0">
+                <a:solidFill>
+                  <a:srgbClr val="000000"/>
+                </a:solidFill>
+                <a:latin typeface="Tahoma" panose="020B0604030504040204" pitchFamily="34" charset="0"/>
+                <a:ea typeface="Calibri" panose="020F0502020204030204" pitchFamily="34" charset="0"/>
+                <a:cs typeface="Times New Roman" panose="02020603050405020304" pitchFamily="18" charset="0"/>
+              </a:rPr>
+              <a:t>Комышенец</a:t>
+            </a:r>
+            <a:r>
+              <a:rPr lang="ru-RU" sz="2400" dirty="0" smtClean="0">
+                <a:solidFill>
+                  <a:srgbClr val="000000"/>
+                </a:solidFill>
+                <a:latin typeface="Tahoma" panose="020B0604030504040204" pitchFamily="34" charset="0"/>
+                <a:ea typeface="Calibri" panose="020F0502020204030204" pitchFamily="34" charset="0"/>
+                <a:cs typeface="Times New Roman" panose="02020603050405020304" pitchFamily="18" charset="0"/>
+              </a:rPr>
+              <a:t>, </a:t>
+            </a:r>
+            <a:r>
+              <a:rPr lang="ru-RU" sz="2400" b="1" dirty="0" smtClean="0">
+                <a:solidFill>
+                  <a:srgbClr val="000000"/>
+                </a:solidFill>
+                <a:latin typeface="Tahoma" panose="020B0604030504040204" pitchFamily="34" charset="0"/>
+                <a:ea typeface="Calibri" panose="020F0502020204030204" pitchFamily="34" charset="0"/>
+                <a:cs typeface="Times New Roman" panose="02020603050405020304" pitchFamily="18" charset="0"/>
+              </a:rPr>
+              <a:t>Александр </a:t>
+            </a:r>
+            <a:r>
+              <a:rPr lang="ru-RU" sz="2400" b="1" dirty="0" err="1">
+                <a:solidFill>
+                  <a:srgbClr val="000000"/>
+                </a:solidFill>
+                <a:latin typeface="Tahoma" panose="020B0604030504040204" pitchFamily="34" charset="0"/>
+                <a:ea typeface="Calibri" panose="020F0502020204030204" pitchFamily="34" charset="0"/>
+                <a:cs typeface="Times New Roman" panose="02020603050405020304" pitchFamily="18" charset="0"/>
+              </a:rPr>
+              <a:t>Чариков</a:t>
+            </a:r>
+            <a:r>
+              <a:rPr lang="ru-RU" sz="2400" b="1" dirty="0">
+                <a:solidFill>
+                  <a:srgbClr val="000000"/>
+                </a:solidFill>
+                <a:latin typeface="Tahoma" panose="020B0604030504040204" pitchFamily="34" charset="0"/>
+                <a:ea typeface="Calibri" panose="020F0502020204030204" pitchFamily="34" charset="0"/>
+                <a:cs typeface="Times New Roman" panose="02020603050405020304" pitchFamily="18" charset="0"/>
+              </a:rPr>
+              <a:t> </a:t>
+            </a:r>
+            <a:endParaRPr lang="ru-RU" sz="2400" b="1" dirty="0" smtClean="0">
+              <a:solidFill>
+                <a:srgbClr val="000000"/>
+              </a:solidFill>
+              <a:latin typeface="Tahoma" panose="020B0604030504040204" pitchFamily="34" charset="0"/>
+              <a:ea typeface="Calibri" panose="020F0502020204030204" pitchFamily="34" charset="0"/>
+              <a:cs typeface="Times New Roman" panose="02020603050405020304" pitchFamily="18" charset="0"/>
+            </a:endParaRPr>
+          </a:p>
+          <a:p>
+            <a:pPr>
+              <a:lnSpc>
+                <a:spcPct val="107000"/>
+              </a:lnSpc>
+              <a:spcAft>
+                <a:spcPts val="800"/>
+              </a:spcAft>
+            </a:pPr>
+            <a:r>
+              <a:rPr lang="en-US" sz="2400" dirty="0" smtClean="0">
+                <a:solidFill>
+                  <a:srgbClr val="000000"/>
+                </a:solidFill>
+                <a:latin typeface="Tahoma" panose="020B0604030504040204" pitchFamily="34" charset="0"/>
+                <a:ea typeface="Calibri" panose="020F0502020204030204" pitchFamily="34" charset="0"/>
+                <a:cs typeface="Times New Roman" panose="02020603050405020304" pitchFamily="18" charset="0"/>
+              </a:rPr>
+              <a:t>Solidity</a:t>
+            </a:r>
+            <a:r>
+              <a:rPr lang="ru-RU" sz="2400" dirty="0" smtClean="0">
+                <a:solidFill>
+                  <a:srgbClr val="000000"/>
+                </a:solidFill>
+                <a:latin typeface="Tahoma" panose="020B0604030504040204" pitchFamily="34" charset="0"/>
+                <a:ea typeface="Calibri" panose="020F0502020204030204" pitchFamily="34" charset="0"/>
+                <a:cs typeface="Times New Roman" panose="02020603050405020304" pitchFamily="18" charset="0"/>
+              </a:rPr>
+              <a:t> разработчики</a:t>
+            </a:r>
+            <a:r>
+              <a:rPr lang="en-US" sz="2400" dirty="0" smtClean="0">
+                <a:solidFill>
+                  <a:srgbClr val="000000"/>
+                </a:solidFill>
+                <a:latin typeface="Tahoma" panose="020B0604030504040204" pitchFamily="34" charset="0"/>
+                <a:ea typeface="Calibri" panose="020F0502020204030204" pitchFamily="34" charset="0"/>
+                <a:cs typeface="Times New Roman" panose="02020603050405020304" pitchFamily="18" charset="0"/>
+              </a:rPr>
+              <a:t> </a:t>
+            </a:r>
+            <a:r>
+              <a:rPr lang="ru-RU" sz="2400" dirty="0">
+                <a:solidFill>
+                  <a:srgbClr val="000000"/>
+                </a:solidFill>
+                <a:latin typeface="Tahoma" panose="020B0604030504040204" pitchFamily="34" charset="0"/>
+                <a:ea typeface="Calibri" panose="020F0502020204030204" pitchFamily="34" charset="0"/>
+                <a:cs typeface="Times New Roman" panose="02020603050405020304" pitchFamily="18" charset="0"/>
+              </a:rPr>
+              <a:t>– смарт контракт, эмиссия </a:t>
+            </a:r>
+            <a:r>
+              <a:rPr lang="ru-RU" sz="2400" dirty="0" err="1">
+                <a:solidFill>
+                  <a:srgbClr val="000000"/>
+                </a:solidFill>
+                <a:latin typeface="Tahoma" panose="020B0604030504040204" pitchFamily="34" charset="0"/>
+                <a:ea typeface="Calibri" panose="020F0502020204030204" pitchFamily="34" charset="0"/>
+                <a:cs typeface="Times New Roman" panose="02020603050405020304" pitchFamily="18" charset="0"/>
+              </a:rPr>
+              <a:t>токенов</a:t>
+            </a:r>
+            <a:r>
+              <a:rPr lang="ru-RU" sz="2400" dirty="0">
+                <a:solidFill>
+                  <a:srgbClr val="000000"/>
+                </a:solidFill>
+                <a:latin typeface="Tahoma" panose="020B0604030504040204" pitchFamily="34" charset="0"/>
+                <a:ea typeface="Calibri" panose="020F0502020204030204" pitchFamily="34" charset="0"/>
+                <a:cs typeface="Times New Roman" panose="02020603050405020304" pitchFamily="18" charset="0"/>
+              </a:rPr>
+              <a:t>, написание алгоритма игры</a:t>
+            </a:r>
+            <a:endParaRPr lang="ru-RU" sz="2400" dirty="0" smtClean="0">
+              <a:effectLst/>
+              <a:latin typeface="Calibri" panose="020F0502020204030204" pitchFamily="34" charset="0"/>
+              <a:ea typeface="Calibri" panose="020F0502020204030204" pitchFamily="34" charset="0"/>
+              <a:cs typeface="Times New Roman" panose="02020603050405020304" pitchFamily="18" charset="0"/>
+            </a:endParaRPr>
+          </a:p>
+          <a:p>
+            <a:pPr>
+              <a:lnSpc>
+                <a:spcPct val="107000"/>
+              </a:lnSpc>
+              <a:spcAft>
+                <a:spcPts val="800"/>
+              </a:spcAft>
+            </a:pPr>
+            <a:r>
+              <a:rPr lang="ru-RU" sz="2400" b="1" dirty="0">
+                <a:solidFill>
+                  <a:srgbClr val="000000"/>
+                </a:solidFill>
+                <a:latin typeface="Tahoma" panose="020B0604030504040204" pitchFamily="34" charset="0"/>
+                <a:ea typeface="Calibri" panose="020F0502020204030204" pitchFamily="34" charset="0"/>
+                <a:cs typeface="Times New Roman" panose="02020603050405020304" pitchFamily="18" charset="0"/>
+              </a:rPr>
+              <a:t>Сергей Климентов </a:t>
+            </a:r>
+            <a:r>
+              <a:rPr lang="en-US" sz="2400" dirty="0">
+                <a:solidFill>
+                  <a:srgbClr val="000000"/>
+                </a:solidFill>
+                <a:latin typeface="Tahoma" panose="020B0604030504040204" pitchFamily="34" charset="0"/>
+                <a:ea typeface="Calibri" panose="020F0502020204030204" pitchFamily="34" charset="0"/>
+                <a:cs typeface="Times New Roman" panose="02020603050405020304" pitchFamily="18" charset="0"/>
+              </a:rPr>
+              <a:t>PM</a:t>
+            </a:r>
+            <a:r>
+              <a:rPr lang="ru-RU" sz="2400" dirty="0">
+                <a:solidFill>
+                  <a:srgbClr val="000000"/>
+                </a:solidFill>
+                <a:latin typeface="Tahoma" panose="020B0604030504040204" pitchFamily="34" charset="0"/>
+                <a:ea typeface="Calibri" panose="020F0502020204030204" pitchFamily="34" charset="0"/>
+                <a:cs typeface="Times New Roman" panose="02020603050405020304" pitchFamily="18" charset="0"/>
+              </a:rPr>
+              <a:t>, тайм-менеджмент</a:t>
+            </a:r>
+            <a:endParaRPr lang="ru-RU" sz="2400" dirty="0" smtClean="0">
+              <a:effectLst/>
+              <a:latin typeface="Calibri" panose="020F0502020204030204" pitchFamily="34" charset="0"/>
+              <a:ea typeface="Calibri" panose="020F0502020204030204" pitchFamily="34" charset="0"/>
+              <a:cs typeface="Times New Roman" panose="02020603050405020304" pitchFamily="18" charset="0"/>
+            </a:endParaRPr>
+          </a:p>
+          <a:p>
+            <a:pPr>
+              <a:lnSpc>
+                <a:spcPct val="107000"/>
+              </a:lnSpc>
+              <a:spcAft>
+                <a:spcPts val="800"/>
+              </a:spcAft>
+            </a:pPr>
+            <a:r>
+              <a:rPr lang="ru-RU" sz="2400" b="1" dirty="0">
+                <a:solidFill>
+                  <a:srgbClr val="000000"/>
+                </a:solidFill>
+                <a:latin typeface="Tahoma" panose="020B0604030504040204" pitchFamily="34" charset="0"/>
+                <a:ea typeface="Calibri" panose="020F0502020204030204" pitchFamily="34" charset="0"/>
+                <a:cs typeface="Times New Roman" panose="02020603050405020304" pitchFamily="18" charset="0"/>
+              </a:rPr>
+              <a:t>Артур </a:t>
+            </a:r>
+            <a:r>
+              <a:rPr lang="ru-RU" sz="2400" b="1" dirty="0" err="1" smtClean="0">
+                <a:solidFill>
+                  <a:srgbClr val="000000"/>
+                </a:solidFill>
+                <a:latin typeface="Tahoma" panose="020B0604030504040204" pitchFamily="34" charset="0"/>
+                <a:ea typeface="Calibri" panose="020F0502020204030204" pitchFamily="34" charset="0"/>
+                <a:cs typeface="Times New Roman" panose="02020603050405020304" pitchFamily="18" charset="0"/>
+              </a:rPr>
+              <a:t>Терегулов</a:t>
+            </a:r>
+            <a:r>
+              <a:rPr lang="ru-RU" sz="2400" b="1" dirty="0" smtClean="0">
+                <a:solidFill>
+                  <a:srgbClr val="000000"/>
+                </a:solidFill>
+                <a:latin typeface="Tahoma" panose="020B0604030504040204" pitchFamily="34" charset="0"/>
+                <a:ea typeface="Calibri" panose="020F0502020204030204" pitchFamily="34" charset="0"/>
+                <a:cs typeface="Times New Roman" panose="02020603050405020304" pitchFamily="18" charset="0"/>
+              </a:rPr>
+              <a:t> </a:t>
+            </a:r>
+            <a:r>
+              <a:rPr lang="ru-RU" sz="2400" dirty="0">
+                <a:solidFill>
+                  <a:srgbClr val="000000"/>
+                </a:solidFill>
+                <a:latin typeface="Tahoma" panose="020B0604030504040204" pitchFamily="34" charset="0"/>
+                <a:ea typeface="Calibri" panose="020F0502020204030204" pitchFamily="34" charset="0"/>
+                <a:cs typeface="Times New Roman" panose="02020603050405020304" pitchFamily="18" charset="0"/>
+              </a:rPr>
+              <a:t>– </a:t>
+            </a:r>
+            <a:r>
+              <a:rPr lang="en-US" sz="2400" dirty="0">
+                <a:solidFill>
+                  <a:srgbClr val="000000"/>
+                </a:solidFill>
+                <a:latin typeface="Tahoma" panose="020B0604030504040204" pitchFamily="34" charset="0"/>
+                <a:ea typeface="Calibri" panose="020F0502020204030204" pitchFamily="34" charset="0"/>
+                <a:cs typeface="Times New Roman" panose="02020603050405020304" pitchFamily="18" charset="0"/>
+              </a:rPr>
+              <a:t>adviser </a:t>
+            </a:r>
+            <a:r>
+              <a:rPr lang="ru-RU" sz="2400" dirty="0">
+                <a:solidFill>
+                  <a:srgbClr val="000000"/>
+                </a:solidFill>
+                <a:latin typeface="Tahoma" panose="020B0604030504040204" pitchFamily="34" charset="0"/>
+                <a:ea typeface="Calibri" panose="020F0502020204030204" pitchFamily="34" charset="0"/>
+                <a:cs typeface="Times New Roman" panose="02020603050405020304" pitchFamily="18" charset="0"/>
+              </a:rPr>
+              <a:t>по </a:t>
+            </a:r>
+            <a:r>
+              <a:rPr lang="ru-RU" sz="2400" dirty="0" err="1">
+                <a:solidFill>
+                  <a:srgbClr val="000000"/>
+                </a:solidFill>
+                <a:latin typeface="Tahoma" panose="020B0604030504040204" pitchFamily="34" charset="0"/>
+                <a:ea typeface="Calibri" panose="020F0502020204030204" pitchFamily="34" charset="0"/>
+                <a:cs typeface="Times New Roman" panose="02020603050405020304" pitchFamily="18" charset="0"/>
+              </a:rPr>
+              <a:t>блокчейн</a:t>
+            </a:r>
+            <a:endParaRPr lang="ru-RU" sz="2400" dirty="0">
+              <a:effectLst/>
+              <a:latin typeface="Calibri" panose="020F0502020204030204" pitchFamily="34" charset="0"/>
+              <a:ea typeface="Calibri" panose="020F0502020204030204" pitchFamily="34" charset="0"/>
+              <a:cs typeface="Times New Roman" panose="02020603050405020304" pitchFamily="18" charset="0"/>
+            </a:endParaRPr>
+          </a:p>
+        </p:txBody>
+      </p:sp>
+    </p:spTree>
+    <p:extLst>
+      <p:ext uri="{BB962C8B-B14F-4D97-AF65-F5344CB8AC3E}">
+        <p14:creationId xmlns:p14="http://schemas.microsoft.com/office/powerpoint/2010/main" val="2867955165"/>
+      </p:ext>
+    </p:extLst>
+  </p:cSld>
+  <p:clrMapOvr>
+    <a:masterClrMapping/>
+  </p:clrMapOvr>
+  <p:timing>
+    <p:tnLst>
+      <p:par>
+        <p:cTn id="1" dur="indefinite" restart="never" nodeType="tmRoot"/>
+      </p:par>
+    </p:tnLst>
+  </p:timing>
+</p:sld>
+</file>
+
+<file path=ppt/slides/slide11.xml><?xml version="1.0" encoding="utf-8"?>
+<p:sld xmlns:a="http://schemas.openxmlformats.org/drawingml/2006/main" xmlns:r="http://schemas.openxmlformats.org/officeDocument/2006/relationships" xmlns:p="http://schemas.openxmlformats.org/presentationml/2006/main">
+  <p:cSld>
+    <p:spTree>
+      <p:nvGrpSpPr>
+        <p:cNvPr id="1" name=""/>
+        <p:cNvGrpSpPr/>
+        <p:nvPr/>
+      </p:nvGrpSpPr>
+      <p:grpSpPr>
+        <a:xfrm>
+          <a:off x="0" y="0"/>
+          <a:ext cx="0" cy="0"/>
+          <a:chOff x="0" y="0"/>
+          <a:chExt cx="0" cy="0"/>
+        </a:xfrm>
+      </p:grpSpPr>
+      <p:sp>
+        <p:nvSpPr>
+          <p:cNvPr id="2" name="Заголовок 1"/>
+          <p:cNvSpPr>
+            <a:spLocks noGrp="1"/>
+          </p:cNvSpPr>
+          <p:nvPr>
+            <p:ph type="ctrTitle"/>
+          </p:nvPr>
+        </p:nvSpPr>
+        <p:spPr>
+          <a:xfrm>
+            <a:off x="1524000" y="1122363"/>
+            <a:ext cx="9144000" cy="878559"/>
+          </a:xfrm>
+        </p:spPr>
+        <p:txBody>
+          <a:bodyPr>
+            <a:normAutofit fontScale="90000"/>
+          </a:bodyPr>
+          <a:lstStyle/>
+          <a:p>
+            <a:endParaRPr lang="ru-RU" dirty="0">
+              <a:latin typeface="Century Gothic" panose="020B0502020202020204" pitchFamily="34" charset="0"/>
+            </a:endParaRPr>
+          </a:p>
+        </p:txBody>
+      </p:sp>
+      <p:sp>
+        <p:nvSpPr>
+          <p:cNvPr id="3" name="Подзаголовок 2"/>
+          <p:cNvSpPr>
+            <a:spLocks noGrp="1"/>
+          </p:cNvSpPr>
+          <p:nvPr>
+            <p:ph type="subTitle" idx="1"/>
+          </p:nvPr>
+        </p:nvSpPr>
+        <p:spPr/>
+        <p:txBody>
+          <a:bodyPr/>
+          <a:lstStyle/>
+          <a:p>
+            <a:r>
+              <a:rPr lang="ru-RU" dirty="0">
+                <a:latin typeface="Century Gothic" panose="020B0502020202020204" pitchFamily="34" charset="0"/>
+              </a:rPr>
+              <a:t> </a:t>
+            </a:r>
+          </a:p>
+        </p:txBody>
+      </p:sp>
+    </p:spTree>
+    <p:extLst>
+      <p:ext uri="{BB962C8B-B14F-4D97-AF65-F5344CB8AC3E}">
+        <p14:creationId xmlns:p14="http://schemas.microsoft.com/office/powerpoint/2010/main" val="775832900"/>
+      </p:ext>
+    </p:extLst>
+  </p:cSld>
+  <p:clrMapOvr>
+    <a:masterClrMapping/>
+  </p:clrMapOvr>
+  <p:timing>
+    <p:tnLst>
+      <p:par>
+        <p:cTn id="1" dur="indefinite" restart="never" nodeType="tmRoot"/>
+      </p:par>
+    </p:tnLst>
+  </p:timing>
+</p:sld>
+</file>
+
+<file path=ppt/slides/slide12.xml><?xml version="1.0" encoding="utf-8"?>
+<p:sld xmlns:a="http://schemas.openxmlformats.org/drawingml/2006/main" xmlns:r="http://schemas.openxmlformats.org/officeDocument/2006/relationships" xmlns:p="http://schemas.openxmlformats.org/presentationml/2006/main">
+  <p:cSld>
+    <p:spTree>
+      <p:nvGrpSpPr>
+        <p:cNvPr id="1" name=""/>
+        <p:cNvGrpSpPr/>
+        <p:nvPr/>
+      </p:nvGrpSpPr>
+      <p:grpSpPr>
+        <a:xfrm>
+          <a:off x="0" y="0"/>
+          <a:ext cx="0" cy="0"/>
+          <a:chOff x="0" y="0"/>
+          <a:chExt cx="0" cy="0"/>
+        </a:xfrm>
+      </p:grpSpPr>
+      <p:sp>
+        <p:nvSpPr>
+          <p:cNvPr id="2" name="Заголовок 1"/>
+          <p:cNvSpPr>
+            <a:spLocks noGrp="1"/>
+          </p:cNvSpPr>
+          <p:nvPr>
+            <p:ph type="ctrTitle"/>
+          </p:nvPr>
+        </p:nvSpPr>
+        <p:spPr>
+          <a:xfrm>
+            <a:off x="1524000" y="1122363"/>
+            <a:ext cx="9144000" cy="878559"/>
+          </a:xfrm>
+        </p:spPr>
+        <p:txBody>
+          <a:bodyPr>
+            <a:normAutofit fontScale="90000"/>
+          </a:bodyPr>
+          <a:lstStyle/>
+          <a:p>
+            <a:r>
+              <a:rPr lang="ru-RU" dirty="0" smtClean="0">
+                <a:latin typeface="Century Gothic" panose="020B0502020202020204" pitchFamily="34" charset="0"/>
+              </a:rPr>
+              <a:t>Рынок</a:t>
+            </a:r>
+            <a:br>
+              <a:rPr lang="ru-RU" dirty="0" smtClean="0">
+                <a:latin typeface="Century Gothic" panose="020B0502020202020204" pitchFamily="34" charset="0"/>
+              </a:rPr>
+            </a:br>
             <a:endParaRPr lang="ru-RU" dirty="0">
               <a:latin typeface="Century Gothic" panose="020B0502020202020204" pitchFamily="34" charset="0"/>
             </a:endParaRPr>
@@ -3356,7 +3988,19 @@
               <a:rPr lang="ru-RU" dirty="0" smtClean="0">
                 <a:latin typeface="Century Gothic" panose="020B0502020202020204" pitchFamily="34" charset="0"/>
               </a:rPr>
-              <a:t>Начни с кем то и поддерживай</a:t>
+              <a:t>Начни с </a:t>
+            </a:r>
+            <a:r>
+              <a:rPr lang="ru-RU" dirty="0" smtClean="0">
+                <a:latin typeface="Century Gothic" panose="020B0502020202020204" pitchFamily="34" charset="0"/>
+              </a:rPr>
+              <a:t>кем-то </a:t>
+            </a:r>
+            <a:r>
+              <a:rPr lang="ru-RU" dirty="0" smtClean="0">
+                <a:latin typeface="Century Gothic" panose="020B0502020202020204" pitchFamily="34" charset="0"/>
+              </a:rPr>
+              <a:t>и поддерживай</a:t>
             </a:r>
             <a:endParaRPr lang="ru-RU" dirty="0">
               <a:latin typeface="Century Gothic" panose="020B0502020202020204" pitchFamily="34" charset="0"/>
@@ -3858,6 +4502,394 @@
         </p:nvSpPr>
         <p:spPr>
           <a:xfrm>
+            <a:off x="1524000" y="1122363"/>
+            <a:ext cx="9144000" cy="878559"/>
+          </a:xfrm>
+        </p:spPr>
+        <p:txBody>
+          <a:bodyPr>
+            <a:normAutofit fontScale="90000"/>
+          </a:bodyPr>
+          <a:lstStyle/>
+          <a:p>
+            <a:endParaRPr lang="ru-RU" dirty="0">
+              <a:latin typeface="Century Gothic" panose="020B0502020202020204" pitchFamily="34" charset="0"/>
+            </a:endParaRPr>
+          </a:p>
+        </p:txBody>
+      </p:sp>
+      <p:sp>
+        <p:nvSpPr>
+          <p:cNvPr id="3" name="Подзаголовок 2"/>
+          <p:cNvSpPr>
+            <a:spLocks noGrp="1"/>
+          </p:cNvSpPr>
+          <p:nvPr>
+            <p:ph type="subTitle" idx="1"/>
+          </p:nvPr>
+        </p:nvSpPr>
+        <p:spPr/>
+        <p:txBody>
+          <a:bodyPr/>
+          <a:lstStyle/>
+          <a:p>
+            <a:r>
+              <a:rPr lang="ru-RU" dirty="0">
+                <a:latin typeface="Century Gothic" panose="020B0502020202020204" pitchFamily="34" charset="0"/>
+              </a:rPr>
+              <a:t> </a:t>
+            </a:r>
+          </a:p>
+        </p:txBody>
+      </p:sp>
+      <p:pic>
+        <p:nvPicPr>
+          <p:cNvPr id="7" name="Рисунок 6"/>
+          <p:cNvPicPr>
+            <a:picLocks noChangeAspect="1"/>
+          </p:cNvPicPr>
+          <p:nvPr/>
+        </p:nvPicPr>
+        <p:blipFill>
+          <a:blip r:embed="rId2"/>
+          <a:stretch>
+            <a:fillRect/>
+          </a:stretch>
+        </p:blipFill>
+        <p:spPr>
+          <a:xfrm>
+            <a:off x="396000" y="571857"/>
+            <a:ext cx="11400000" cy="5714286"/>
+          </a:xfrm>
+          <a:prstGeom prst="rect">
+            <a:avLst/>
+          </a:prstGeom>
+        </p:spPr>
+      </p:pic>
+    </p:spTree>
+    <p:extLst>
+      <p:ext uri="{BB962C8B-B14F-4D97-AF65-F5344CB8AC3E}">
+        <p14:creationId xmlns:p14="http://schemas.microsoft.com/office/powerpoint/2010/main" val="4154291856"/>
+      </p:ext>
+    </p:extLst>
+  </p:cSld>
+  <p:clrMapOvr>
+    <a:masterClrMapping/>
+  </p:clrMapOvr>
+  <p:timing>
+    <p:tnLst>
+      <p:par>
+        <p:cTn id="1" dur="indefinite" restart="never" nodeType="tmRoot"/>
+      </p:par>
+    </p:tnLst>
+  </p:timing>
+</p:sld>
+</file>
+
+<file path=ppt/slides/slide8.xml><?xml version="1.0" encoding="utf-8"?>
+<p:sld xmlns:a="http://schemas.openxmlformats.org/drawingml/2006/main" xmlns:r="http://schemas.openxmlformats.org/officeDocument/2006/relationships" xmlns:p="http://schemas.openxmlformats.org/presentationml/2006/main">
+  <p:cSld>
+    <p:spTree>
+      <p:nvGrpSpPr>
+        <p:cNvPr id="1" name=""/>
+        <p:cNvGrpSpPr/>
+        <p:nvPr/>
+      </p:nvGrpSpPr>
+      <p:grpSpPr>
+        <a:xfrm>
+          <a:off x="0" y="0"/>
+          <a:ext cx="0" cy="0"/>
+          <a:chOff x="0" y="0"/>
+          <a:chExt cx="0" cy="0"/>
+        </a:xfrm>
+      </p:grpSpPr>
+      <p:sp>
+        <p:nvSpPr>
+          <p:cNvPr id="2" name="Заголовок 1"/>
+          <p:cNvSpPr>
+            <a:spLocks noGrp="1"/>
+          </p:cNvSpPr>
+          <p:nvPr>
+            <p:ph type="ctrTitle"/>
+          </p:nvPr>
+        </p:nvSpPr>
+        <p:spPr>
+          <a:xfrm>
+            <a:off x="1308847" y="649027"/>
+            <a:ext cx="9144000" cy="878559"/>
+          </a:xfrm>
+        </p:spPr>
+        <p:txBody>
+          <a:bodyPr>
+            <a:normAutofit fontScale="90000"/>
+          </a:bodyPr>
+          <a:lstStyle/>
+          <a:p>
+            <a:r>
+              <a:rPr lang="ru-RU" dirty="0" smtClean="0">
+                <a:latin typeface="Century Gothic" panose="020B0502020202020204" pitchFamily="34" charset="0"/>
+              </a:rPr>
+              <a:t>Функционал</a:t>
+            </a:r>
+            <a:br>
+              <a:rPr lang="ru-RU" dirty="0" smtClean="0">
+                <a:latin typeface="Century Gothic" panose="020B0502020202020204" pitchFamily="34" charset="0"/>
+              </a:rPr>
+            </a:br>
+            <a:endParaRPr lang="ru-RU" dirty="0">
+              <a:latin typeface="Century Gothic" panose="020B0502020202020204" pitchFamily="34" charset="0"/>
+            </a:endParaRPr>
+          </a:p>
+        </p:txBody>
+      </p:sp>
+      <p:sp>
+        <p:nvSpPr>
+          <p:cNvPr id="3" name="Подзаголовок 2"/>
+          <p:cNvSpPr>
+            <a:spLocks noGrp="1"/>
+          </p:cNvSpPr>
+          <p:nvPr>
+            <p:ph type="subTitle" idx="1"/>
+          </p:nvPr>
+        </p:nvSpPr>
+        <p:spPr>
+          <a:xfrm>
+            <a:off x="839097" y="978945"/>
+            <a:ext cx="9506174" cy="5314277"/>
+          </a:xfrm>
+        </p:spPr>
+        <p:txBody>
+          <a:bodyPr>
+            <a:normAutofit fontScale="92500" lnSpcReduction="10000"/>
+          </a:bodyPr>
+          <a:lstStyle/>
+          <a:p>
+            <a:pPr algn="l"/>
+            <a:r>
+              <a:rPr lang="ru-RU" dirty="0"/>
+              <a:t>Варианты </a:t>
+            </a:r>
+            <a:r>
+              <a:rPr lang="ru-RU" dirty="0" smtClean="0"/>
+              <a:t>активности: </a:t>
+            </a:r>
+            <a:r>
+              <a:rPr lang="ru-RU" dirty="0"/>
+              <a:t>б</a:t>
+            </a:r>
+            <a:r>
+              <a:rPr lang="ru-RU" dirty="0" smtClean="0"/>
+              <a:t>ег</a:t>
+            </a:r>
+            <a:r>
+              <a:rPr lang="ru-RU" dirty="0"/>
+              <a:t>, шаг, вело</a:t>
+            </a:r>
+          </a:p>
+          <a:p>
+            <a:pPr algn="l"/>
+            <a:r>
+              <a:rPr lang="ru-RU" dirty="0"/>
+              <a:t>Выбор партнера рядом, создание групп</a:t>
+            </a:r>
+          </a:p>
+          <a:p>
+            <a:pPr algn="l"/>
+            <a:r>
+              <a:rPr lang="ru-RU" dirty="0"/>
+              <a:t>Инфо о пользователе, статистика (скорость бега, дистанции, достижения, фото, о себе)</a:t>
+            </a:r>
+          </a:p>
+          <a:p>
+            <a:pPr algn="l"/>
+            <a:r>
+              <a:rPr lang="ru-RU" dirty="0"/>
+              <a:t>Чат</a:t>
+            </a:r>
+          </a:p>
+          <a:p>
+            <a:pPr algn="l"/>
+            <a:r>
+              <a:rPr lang="ru-RU" dirty="0"/>
+              <a:t>Постановка цели – </a:t>
+            </a:r>
+            <a:r>
+              <a:rPr lang="ru-RU" dirty="0" smtClean="0"/>
+              <a:t>пример: «пробежать сегодня </a:t>
+            </a:r>
+            <a:r>
+              <a:rPr lang="ru-RU" dirty="0"/>
+              <a:t>6 км за 1 </a:t>
+            </a:r>
+            <a:r>
+              <a:rPr lang="ru-RU" dirty="0" smtClean="0"/>
+              <a:t>час»</a:t>
+            </a:r>
+            <a:endParaRPr lang="ru-RU" dirty="0"/>
+          </a:p>
+          <a:p>
+            <a:pPr algn="l"/>
+            <a:r>
+              <a:rPr lang="ru-RU" dirty="0" err="1"/>
+              <a:t>Треккинг</a:t>
+            </a:r>
+            <a:r>
+              <a:rPr lang="ru-RU" dirty="0"/>
+              <a:t> по </a:t>
+            </a:r>
+            <a:r>
+              <a:rPr lang="en-US" dirty="0"/>
+              <a:t>GPS</a:t>
+            </a:r>
+            <a:r>
+              <a:rPr lang="ru-RU" dirty="0"/>
+              <a:t> + гироскоп, защита </a:t>
+            </a:r>
+            <a:r>
+              <a:rPr lang="ru-RU" dirty="0" smtClean="0"/>
+              <a:t>от</a:t>
+            </a:r>
+            <a:r>
+              <a:rPr lang="en-US" dirty="0" smtClean="0"/>
+              <a:t> root</a:t>
+            </a:r>
+            <a:endParaRPr lang="ru-RU" dirty="0"/>
+          </a:p>
+          <a:p>
+            <a:pPr algn="l"/>
+            <a:r>
+              <a:rPr lang="ru-RU" dirty="0"/>
+              <a:t>Рейтинг </a:t>
+            </a:r>
+            <a:r>
+              <a:rPr lang="ru-RU" dirty="0" smtClean="0"/>
+              <a:t>спортсменов</a:t>
+            </a:r>
+            <a:endParaRPr lang="ru-RU" dirty="0"/>
+          </a:p>
+          <a:p>
+            <a:pPr algn="l"/>
+            <a:r>
+              <a:rPr lang="ru-RU" dirty="0" err="1"/>
+              <a:t>Геймификация</a:t>
+            </a:r>
+            <a:r>
+              <a:rPr lang="ru-RU" dirty="0"/>
+              <a:t> (система званий и наград)</a:t>
+            </a:r>
+          </a:p>
+          <a:p>
+            <a:pPr algn="l"/>
+            <a:r>
+              <a:rPr lang="ru-RU" dirty="0"/>
+              <a:t>Авторизация через </a:t>
+            </a:r>
+            <a:r>
+              <a:rPr lang="en-US" dirty="0"/>
+              <a:t>Google</a:t>
+            </a:r>
+            <a:r>
+              <a:rPr lang="ru-RU" dirty="0"/>
+              <a:t>, </a:t>
+            </a:r>
+            <a:r>
+              <a:rPr lang="en-US" dirty="0"/>
+              <a:t>Facebook</a:t>
+            </a:r>
+            <a:r>
+              <a:rPr lang="ru-RU" dirty="0"/>
+              <a:t>, телефон</a:t>
+            </a:r>
+          </a:p>
+          <a:p>
+            <a:pPr algn="l"/>
+            <a:r>
+              <a:rPr lang="ru-RU" dirty="0"/>
+              <a:t>Подписка на </a:t>
+            </a:r>
+            <a:r>
+              <a:rPr lang="en-US" dirty="0"/>
+              <a:t>Pro </a:t>
+            </a:r>
+            <a:r>
+              <a:rPr lang="ru-RU" dirty="0"/>
+              <a:t>аккаунт – без рекламы + </a:t>
+            </a:r>
+            <a:r>
+              <a:rPr lang="ru-RU" dirty="0" smtClean="0"/>
+              <a:t>доп. функционал</a:t>
+            </a:r>
+          </a:p>
+          <a:p>
+            <a:pPr algn="l"/>
+            <a:r>
+              <a:rPr lang="en-US" dirty="0" smtClean="0"/>
+              <a:t>Crypto - </a:t>
+            </a:r>
+            <a:r>
+              <a:rPr lang="ru-RU" dirty="0" smtClean="0"/>
+              <a:t>кошелек </a:t>
+            </a:r>
+            <a:endParaRPr lang="ru-RU" dirty="0"/>
+          </a:p>
+          <a:p>
+            <a:pPr algn="l"/>
+            <a:r>
+              <a:rPr lang="ru-RU" dirty="0"/>
+              <a:t>Партнерский магазин + рекламный кабинет</a:t>
+            </a:r>
+          </a:p>
+        </p:txBody>
+      </p:sp>
+    </p:spTree>
+    <p:extLst>
+      <p:ext uri="{BB962C8B-B14F-4D97-AF65-F5344CB8AC3E}">
+        <p14:creationId xmlns:p14="http://schemas.microsoft.com/office/powerpoint/2010/main" val="1030856913"/>
+      </p:ext>
+    </p:extLst>
+  </p:cSld>
+  <p:clrMapOvr>
+    <a:masterClrMapping/>
+  </p:clrMapOvr>
+  <p:timing>
+    <p:tnLst>
+      <p:par>
+        <p:cTn id="1" dur="indefinite" restart="never" nodeType="tmRoot"/>
+      </p:par>
+    </p:tnLst>
+  </p:timing>
+</p:sld>
+</file>
+
+<file path=ppt/slides/slide9.xml><?xml version="1.0" encoding="utf-8"?>
+<p:sld xmlns:a="http://schemas.openxmlformats.org/drawingml/2006/main" xmlns:r="http://schemas.openxmlformats.org/officeDocument/2006/relationships" xmlns:p="http://schemas.openxmlformats.org/presentationml/2006/main">
+  <p:cSld>
+    <p:spTree>
+      <p:nvGrpSpPr>
+        <p:cNvPr id="1" name=""/>
+        <p:cNvGrpSpPr/>
+        <p:nvPr/>
+      </p:nvGrpSpPr>
+      <p:grpSpPr>
+        <a:xfrm>
+          <a:off x="0" y="0"/>
+          <a:ext cx="0" cy="0"/>
+          <a:chOff x="0" y="0"/>
+          <a:chExt cx="0" cy="0"/>
+        </a:xfrm>
+      </p:grpSpPr>
+      <p:sp>
+        <p:nvSpPr>
+          <p:cNvPr id="2" name="Заголовок 1"/>
+          <p:cNvSpPr>
+            <a:spLocks noGrp="1"/>
+          </p:cNvSpPr>
+          <p:nvPr>
+            <p:ph type="ctrTitle"/>
+          </p:nvPr>
+        </p:nvSpPr>
+        <p:spPr>
+          <a:xfrm>
             <a:off x="-20732" y="3284650"/>
             <a:ext cx="5500744" cy="1298108"/>
           </a:xfrm>
@@ -4142,507 +5174,6 @@
     <p:extLst>
       <p:ext uri="{BB962C8B-B14F-4D97-AF65-F5344CB8AC3E}">
         <p14:creationId xmlns:p14="http://schemas.microsoft.com/office/powerpoint/2010/main" val="334852768"/>
-      </p:ext>
-    </p:extLst>
-  </p:cSld>
-  <p:clrMapOvr>
-    <a:masterClrMapping/>
-  </p:clrMapOvr>
-  <p:timing>
-    <p:tnLst>
-      <p:par>
-        <p:cTn id="1" dur="indefinite" restart="never" nodeType="tmRoot"/>
-      </p:par>
-    </p:tnLst>
-  </p:timing>
-</p:sld>
-</file>
-
-<file path=ppt/slides/slide8.xml><?xml version="1.0" encoding="utf-8"?>
-<p:sld xmlns:a="http://schemas.openxmlformats.org/drawingml/2006/main" xmlns:r="http://schemas.openxmlformats.org/officeDocument/2006/relationships" xmlns:p="http://schemas.openxmlformats.org/presentationml/2006/main">
-  <p:cSld>
-    <p:spTree>
-      <p:nvGrpSpPr>
-        <p:cNvPr id="1" name=""/>
-        <p:cNvGrpSpPr/>
-        <p:nvPr/>
-      </p:nvGrpSpPr>
-      <p:grpSpPr>
-        <a:xfrm>
-          <a:off x="0" y="0"/>
-          <a:ext cx="0" cy="0"/>
-          <a:chOff x="0" y="0"/>
-          <a:chExt cx="0" cy="0"/>
-        </a:xfrm>
-      </p:grpSpPr>
-      <p:sp>
-        <p:nvSpPr>
-          <p:cNvPr id="2" name="Заголовок 1"/>
-          <p:cNvSpPr>
-            <a:spLocks noGrp="1"/>
-          </p:cNvSpPr>
-          <p:nvPr>
-            <p:ph type="ctrTitle"/>
-          </p:nvPr>
-        </p:nvSpPr>
-        <p:spPr>
-          <a:xfrm>
-            <a:off x="1524000" y="1122363"/>
-            <a:ext cx="9144000" cy="878559"/>
-          </a:xfrm>
-        </p:spPr>
-        <p:txBody>
-          <a:bodyPr>
-            <a:normAutofit fontScale="90000"/>
-          </a:bodyPr>
-          <a:lstStyle/>
-          <a:p>
-            <a:endParaRPr lang="ru-RU" dirty="0">
-              <a:latin typeface="Century Gothic" panose="020B0502020202020204" pitchFamily="34" charset="0"/>
-            </a:endParaRPr>
-          </a:p>
-        </p:txBody>
-      </p:sp>
-      <p:sp>
-        <p:nvSpPr>
-          <p:cNvPr id="3" name="Подзаголовок 2"/>
-          <p:cNvSpPr>
-            <a:spLocks noGrp="1"/>
-          </p:cNvSpPr>
-          <p:nvPr>
-            <p:ph type="subTitle" idx="1"/>
-          </p:nvPr>
-        </p:nvSpPr>
-        <p:spPr/>
-        <p:txBody>
-          <a:bodyPr/>
-          <a:lstStyle/>
-          <a:p>
-            <a:r>
-              <a:rPr lang="ru-RU" dirty="0">
-                <a:latin typeface="Century Gothic" panose="020B0502020202020204" pitchFamily="34" charset="0"/>
-              </a:rPr>
-              <a:t> </a:t>
-            </a:r>
-          </a:p>
-        </p:txBody>
-      </p:sp>
-    </p:spTree>
-    <p:extLst>
-      <p:ext uri="{BB962C8B-B14F-4D97-AF65-F5344CB8AC3E}">
-        <p14:creationId xmlns:p14="http://schemas.microsoft.com/office/powerpoint/2010/main" val="4154291856"/>
-      </p:ext>
-    </p:extLst>
-  </p:cSld>
-  <p:clrMapOvr>
-    <a:masterClrMapping/>
-  </p:clrMapOvr>
-  <p:timing>
-    <p:tnLst>
-      <p:par>
-        <p:cTn id="1" dur="indefinite" restart="never" nodeType="tmRoot"/>
-      </p:par>
-    </p:tnLst>
-  </p:timing>
-</p:sld>
-</file>
-
-<file path=ppt/slides/slide9.xml><?xml version="1.0" encoding="utf-8"?>
-<p:sld xmlns:a="http://schemas.openxmlformats.org/drawingml/2006/main" xmlns:r="http://schemas.openxmlformats.org/officeDocument/2006/relationships" xmlns:p="http://schemas.openxmlformats.org/presentationml/2006/main">
-  <p:cSld>
-    <p:spTree>
-      <p:nvGrpSpPr>
-        <p:cNvPr id="1" name=""/>
-        <p:cNvGrpSpPr/>
-        <p:nvPr/>
-      </p:nvGrpSpPr>
-      <p:grpSpPr>
-        <a:xfrm>
-          <a:off x="0" y="0"/>
-          <a:ext cx="0" cy="0"/>
-          <a:chOff x="0" y="0"/>
-          <a:chExt cx="0" cy="0"/>
-        </a:xfrm>
-      </p:grpSpPr>
-      <p:sp>
-        <p:nvSpPr>
-          <p:cNvPr id="2" name="Заголовок 1"/>
-          <p:cNvSpPr>
-            <a:spLocks noGrp="1"/>
-          </p:cNvSpPr>
-          <p:nvPr>
-            <p:ph type="ctrTitle"/>
-          </p:nvPr>
-        </p:nvSpPr>
-        <p:spPr>
-          <a:xfrm>
-            <a:off x="1524000" y="1122363"/>
-            <a:ext cx="9144000" cy="878559"/>
-          </a:xfrm>
-        </p:spPr>
-        <p:txBody>
-          <a:bodyPr>
-            <a:normAutofit fontScale="90000"/>
-          </a:bodyPr>
-          <a:lstStyle/>
-          <a:p>
-            <a:r>
-              <a:rPr lang="ru-RU" dirty="0" smtClean="0">
-                <a:latin typeface="Century Gothic" panose="020B0502020202020204" pitchFamily="34" charset="0"/>
-              </a:rPr>
-              <a:t>Команда</a:t>
-            </a:r>
-            <a:endParaRPr lang="ru-RU" dirty="0">
-              <a:latin typeface="Century Gothic" panose="020B0502020202020204" pitchFamily="34" charset="0"/>
-            </a:endParaRPr>
-          </a:p>
-        </p:txBody>
-      </p:sp>
-      <p:sp>
-        <p:nvSpPr>
-          <p:cNvPr id="3" name="Подзаголовок 2"/>
-          <p:cNvSpPr>
-            <a:spLocks noGrp="1"/>
-          </p:cNvSpPr>
-          <p:nvPr>
-            <p:ph type="subTitle" idx="1"/>
-          </p:nvPr>
-        </p:nvSpPr>
-        <p:spPr/>
-        <p:txBody>
-          <a:bodyPr/>
-          <a:lstStyle/>
-          <a:p>
-            <a:r>
-              <a:rPr lang="ru-RU" dirty="0">
-                <a:latin typeface="Century Gothic" panose="020B0502020202020204" pitchFamily="34" charset="0"/>
-              </a:rPr>
-              <a:t> </a:t>
-            </a:r>
-          </a:p>
-        </p:txBody>
-      </p:sp>
-      <p:sp>
-        <p:nvSpPr>
-          <p:cNvPr id="4" name="Прямоугольник 3"/>
-          <p:cNvSpPr/>
-          <p:nvPr/>
-        </p:nvSpPr>
-        <p:spPr>
-          <a:xfrm>
-            <a:off x="1602889" y="2191673"/>
-            <a:ext cx="7541111" cy="2474652"/>
-          </a:xfrm>
-          <a:prstGeom prst="rect">
-            <a:avLst/>
-          </a:prstGeom>
-        </p:spPr>
-        <p:txBody>
-          <a:bodyPr wrap="square">
-            <a:spAutoFit/>
-          </a:bodyPr>
-          <a:lstStyle/>
-          <a:p>
-            <a:pPr>
-              <a:lnSpc>
-                <a:spcPct val="107000"/>
-              </a:lnSpc>
-              <a:spcAft>
-                <a:spcPts val="800"/>
-              </a:spcAft>
-            </a:pPr>
-            <a:r>
-              <a:rPr lang="ru-RU" dirty="0">
-                <a:solidFill>
-                  <a:srgbClr val="000000"/>
-                </a:solidFill>
-                <a:latin typeface="Tahoma" panose="020B0604030504040204" pitchFamily="34" charset="0"/>
-                <a:ea typeface="Calibri" panose="020F0502020204030204" pitchFamily="34" charset="0"/>
-                <a:cs typeface="Times New Roman" panose="02020603050405020304" pitchFamily="18" charset="0"/>
-              </a:rPr>
-              <a:t>Владислав Кочетков – Визионер - разработка идеи, бизнес модели, математической логики, упаковка </a:t>
-            </a:r>
-            <a:endParaRPr lang="ru-RU" sz="2400" dirty="0" smtClean="0">
-              <a:effectLst/>
-              <a:latin typeface="Calibri" panose="020F0502020204030204" pitchFamily="34" charset="0"/>
-              <a:ea typeface="Calibri" panose="020F0502020204030204" pitchFamily="34" charset="0"/>
-              <a:cs typeface="Times New Roman" panose="02020603050405020304" pitchFamily="18" charset="0"/>
-            </a:endParaRPr>
-          </a:p>
-          <a:p>
-            <a:pPr>
-              <a:lnSpc>
-                <a:spcPct val="107000"/>
-              </a:lnSpc>
-              <a:spcAft>
-                <a:spcPts val="800"/>
-              </a:spcAft>
-            </a:pPr>
-            <a:r>
-              <a:rPr lang="ru-RU" dirty="0">
-                <a:solidFill>
-                  <a:srgbClr val="000000"/>
-                </a:solidFill>
-                <a:latin typeface="Tahoma" panose="020B0604030504040204" pitchFamily="34" charset="0"/>
-                <a:ea typeface="Calibri" panose="020F0502020204030204" pitchFamily="34" charset="0"/>
-                <a:cs typeface="Times New Roman" panose="02020603050405020304" pitchFamily="18" charset="0"/>
-              </a:rPr>
-              <a:t>Вадим </a:t>
-            </a:r>
-            <a:r>
-              <a:rPr lang="ru-RU" dirty="0" err="1">
-                <a:solidFill>
-                  <a:srgbClr val="000000"/>
-                </a:solidFill>
-                <a:latin typeface="Tahoma" panose="020B0604030504040204" pitchFamily="34" charset="0"/>
-                <a:ea typeface="Calibri" panose="020F0502020204030204" pitchFamily="34" charset="0"/>
-                <a:cs typeface="Times New Roman" panose="02020603050405020304" pitchFamily="18" charset="0"/>
-              </a:rPr>
-              <a:t>Комышенец</a:t>
-            </a:r>
-            <a:r>
-              <a:rPr lang="ru-RU" dirty="0">
-                <a:solidFill>
-                  <a:srgbClr val="000000"/>
-                </a:solidFill>
-                <a:latin typeface="Tahoma" panose="020B0604030504040204" pitchFamily="34" charset="0"/>
-                <a:ea typeface="Calibri" panose="020F0502020204030204" pitchFamily="34" charset="0"/>
-                <a:cs typeface="Times New Roman" panose="02020603050405020304" pitchFamily="18" charset="0"/>
-              </a:rPr>
-              <a:t>, Александр </a:t>
-            </a:r>
-            <a:r>
-              <a:rPr lang="ru-RU" dirty="0" err="1">
-                <a:solidFill>
-                  <a:srgbClr val="000000"/>
-                </a:solidFill>
-                <a:latin typeface="Tahoma" panose="020B0604030504040204" pitchFamily="34" charset="0"/>
-                <a:ea typeface="Calibri" panose="020F0502020204030204" pitchFamily="34" charset="0"/>
-                <a:cs typeface="Times New Roman" panose="02020603050405020304" pitchFamily="18" charset="0"/>
-              </a:rPr>
-              <a:t>Чариков</a:t>
-            </a:r>
-            <a:r>
-              <a:rPr lang="ru-RU" dirty="0">
-                <a:solidFill>
-                  <a:srgbClr val="000000"/>
-                </a:solidFill>
-                <a:latin typeface="Tahoma" panose="020B0604030504040204" pitchFamily="34" charset="0"/>
-                <a:ea typeface="Calibri" panose="020F0502020204030204" pitchFamily="34" charset="0"/>
-                <a:cs typeface="Times New Roman" panose="02020603050405020304" pitchFamily="18" charset="0"/>
-              </a:rPr>
-              <a:t> </a:t>
-            </a:r>
-            <a:r>
-              <a:rPr lang="ru-RU" dirty="0" err="1">
-                <a:solidFill>
-                  <a:srgbClr val="000000"/>
-                </a:solidFill>
-                <a:latin typeface="Tahoma" panose="020B0604030504040204" pitchFamily="34" charset="0"/>
-                <a:ea typeface="Calibri" panose="020F0502020204030204" pitchFamily="34" charset="0"/>
-                <a:cs typeface="Times New Roman" panose="02020603050405020304" pitchFamily="18" charset="0"/>
-              </a:rPr>
-              <a:t>backend</a:t>
-            </a:r>
-            <a:r>
-              <a:rPr lang="ru-RU" dirty="0">
-                <a:solidFill>
-                  <a:srgbClr val="000000"/>
-                </a:solidFill>
-                <a:latin typeface="Tahoma" panose="020B0604030504040204" pitchFamily="34" charset="0"/>
-                <a:ea typeface="Calibri" panose="020F0502020204030204" pitchFamily="34" charset="0"/>
-                <a:cs typeface="Times New Roman" panose="02020603050405020304" pitchFamily="18" charset="0"/>
-              </a:rPr>
-              <a:t> разработчики на </a:t>
-            </a:r>
-            <a:r>
-              <a:rPr lang="en-US" dirty="0">
-                <a:solidFill>
-                  <a:srgbClr val="000000"/>
-                </a:solidFill>
-                <a:latin typeface="Tahoma" panose="020B0604030504040204" pitchFamily="34" charset="0"/>
-                <a:ea typeface="Calibri" panose="020F0502020204030204" pitchFamily="34" charset="0"/>
-                <a:cs typeface="Times New Roman" panose="02020603050405020304" pitchFamily="18" charset="0"/>
-              </a:rPr>
-              <a:t>Solidity </a:t>
-            </a:r>
-            <a:r>
-              <a:rPr lang="ru-RU" dirty="0">
-                <a:solidFill>
-                  <a:srgbClr val="000000"/>
-                </a:solidFill>
-                <a:latin typeface="Tahoma" panose="020B0604030504040204" pitchFamily="34" charset="0"/>
-                <a:ea typeface="Calibri" panose="020F0502020204030204" pitchFamily="34" charset="0"/>
-                <a:cs typeface="Times New Roman" panose="02020603050405020304" pitchFamily="18" charset="0"/>
-              </a:rPr>
-              <a:t>– смарт контракт, эмиссия </a:t>
-            </a:r>
-            <a:r>
-              <a:rPr lang="ru-RU" dirty="0" err="1">
-                <a:solidFill>
-                  <a:srgbClr val="000000"/>
-                </a:solidFill>
-                <a:latin typeface="Tahoma" panose="020B0604030504040204" pitchFamily="34" charset="0"/>
-                <a:ea typeface="Calibri" panose="020F0502020204030204" pitchFamily="34" charset="0"/>
-                <a:cs typeface="Times New Roman" panose="02020603050405020304" pitchFamily="18" charset="0"/>
-              </a:rPr>
-              <a:t>токенов</a:t>
-            </a:r>
-            <a:r>
-              <a:rPr lang="ru-RU" dirty="0">
-                <a:solidFill>
-                  <a:srgbClr val="000000"/>
-                </a:solidFill>
-                <a:latin typeface="Tahoma" panose="020B0604030504040204" pitchFamily="34" charset="0"/>
-                <a:ea typeface="Calibri" panose="020F0502020204030204" pitchFamily="34" charset="0"/>
-                <a:cs typeface="Times New Roman" panose="02020603050405020304" pitchFamily="18" charset="0"/>
-              </a:rPr>
-              <a:t>, написание алгоритма игры</a:t>
-            </a:r>
-            <a:endParaRPr lang="ru-RU" sz="2400" dirty="0" smtClean="0">
-              <a:effectLst/>
-              <a:latin typeface="Calibri" panose="020F0502020204030204" pitchFamily="34" charset="0"/>
-              <a:ea typeface="Calibri" panose="020F0502020204030204" pitchFamily="34" charset="0"/>
-              <a:cs typeface="Times New Roman" panose="02020603050405020304" pitchFamily="18" charset="0"/>
-            </a:endParaRPr>
-          </a:p>
-          <a:p>
-            <a:pPr>
-              <a:lnSpc>
-                <a:spcPct val="107000"/>
-              </a:lnSpc>
-              <a:spcAft>
-                <a:spcPts val="800"/>
-              </a:spcAft>
-            </a:pPr>
-            <a:r>
-              <a:rPr lang="ru-RU" dirty="0">
-                <a:solidFill>
-                  <a:srgbClr val="000000"/>
-                </a:solidFill>
-                <a:latin typeface="Tahoma" panose="020B0604030504040204" pitchFamily="34" charset="0"/>
-                <a:ea typeface="Calibri" panose="020F0502020204030204" pitchFamily="34" charset="0"/>
-                <a:cs typeface="Times New Roman" panose="02020603050405020304" pitchFamily="18" charset="0"/>
-              </a:rPr>
-              <a:t>Сергей Климентов </a:t>
-            </a:r>
-            <a:r>
-              <a:rPr lang="en-US" dirty="0">
-                <a:solidFill>
-                  <a:srgbClr val="000000"/>
-                </a:solidFill>
-                <a:latin typeface="Tahoma" panose="020B0604030504040204" pitchFamily="34" charset="0"/>
-                <a:ea typeface="Calibri" panose="020F0502020204030204" pitchFamily="34" charset="0"/>
-                <a:cs typeface="Times New Roman" panose="02020603050405020304" pitchFamily="18" charset="0"/>
-              </a:rPr>
-              <a:t>PM</a:t>
-            </a:r>
-            <a:r>
-              <a:rPr lang="ru-RU" dirty="0">
-                <a:solidFill>
-                  <a:srgbClr val="000000"/>
-                </a:solidFill>
-                <a:latin typeface="Tahoma" panose="020B0604030504040204" pitchFamily="34" charset="0"/>
-                <a:ea typeface="Calibri" panose="020F0502020204030204" pitchFamily="34" charset="0"/>
-                <a:cs typeface="Times New Roman" panose="02020603050405020304" pitchFamily="18" charset="0"/>
-              </a:rPr>
-              <a:t>, тайм-менеджмент</a:t>
-            </a:r>
-            <a:endParaRPr lang="ru-RU" sz="2400" dirty="0" smtClean="0">
-              <a:effectLst/>
-              <a:latin typeface="Calibri" panose="020F0502020204030204" pitchFamily="34" charset="0"/>
-              <a:ea typeface="Calibri" panose="020F0502020204030204" pitchFamily="34" charset="0"/>
-              <a:cs typeface="Times New Roman" panose="02020603050405020304" pitchFamily="18" charset="0"/>
-            </a:endParaRPr>
-          </a:p>
-          <a:p>
-            <a:pPr>
-              <a:lnSpc>
-                <a:spcPct val="107000"/>
-              </a:lnSpc>
-              <a:spcAft>
-                <a:spcPts val="800"/>
-              </a:spcAft>
-            </a:pPr>
-            <a:r>
-              <a:rPr lang="ru-RU" dirty="0">
-                <a:solidFill>
-                  <a:srgbClr val="000000"/>
-                </a:solidFill>
-                <a:latin typeface="Tahoma" panose="020B0604030504040204" pitchFamily="34" charset="0"/>
-                <a:ea typeface="Calibri" panose="020F0502020204030204" pitchFamily="34" charset="0"/>
-                <a:cs typeface="Times New Roman" panose="02020603050405020304" pitchFamily="18" charset="0"/>
-              </a:rPr>
-              <a:t>Артур </a:t>
-            </a:r>
-            <a:r>
-              <a:rPr lang="ru-RU" dirty="0" err="1">
-                <a:solidFill>
-                  <a:srgbClr val="000000"/>
-                </a:solidFill>
-                <a:latin typeface="Tahoma" panose="020B0604030504040204" pitchFamily="34" charset="0"/>
-                <a:ea typeface="Calibri" panose="020F0502020204030204" pitchFamily="34" charset="0"/>
-                <a:cs typeface="Times New Roman" panose="02020603050405020304" pitchFamily="18" charset="0"/>
-              </a:rPr>
-              <a:t>Теренцев</a:t>
-            </a:r>
-            <a:r>
-              <a:rPr lang="ru-RU" dirty="0">
-                <a:solidFill>
-                  <a:srgbClr val="000000"/>
-                </a:solidFill>
-                <a:latin typeface="Tahoma" panose="020B0604030504040204" pitchFamily="34" charset="0"/>
-                <a:ea typeface="Calibri" panose="020F0502020204030204" pitchFamily="34" charset="0"/>
-                <a:cs typeface="Times New Roman" panose="02020603050405020304" pitchFamily="18" charset="0"/>
-              </a:rPr>
-              <a:t> – </a:t>
-            </a:r>
-            <a:r>
-              <a:rPr lang="en-US" dirty="0">
-                <a:solidFill>
-                  <a:srgbClr val="000000"/>
-                </a:solidFill>
-                <a:latin typeface="Tahoma" panose="020B0604030504040204" pitchFamily="34" charset="0"/>
-                <a:ea typeface="Calibri" panose="020F0502020204030204" pitchFamily="34" charset="0"/>
-                <a:cs typeface="Times New Roman" panose="02020603050405020304" pitchFamily="18" charset="0"/>
-              </a:rPr>
-              <a:t>adviser </a:t>
-            </a:r>
-            <a:r>
-              <a:rPr lang="ru-RU" dirty="0">
-                <a:solidFill>
-                  <a:srgbClr val="000000"/>
-                </a:solidFill>
-                <a:latin typeface="Tahoma" panose="020B0604030504040204" pitchFamily="34" charset="0"/>
-                <a:ea typeface="Calibri" panose="020F0502020204030204" pitchFamily="34" charset="0"/>
-                <a:cs typeface="Times New Roman" panose="02020603050405020304" pitchFamily="18" charset="0"/>
-              </a:rPr>
-              <a:t>по </a:t>
-            </a:r>
-            <a:r>
-              <a:rPr lang="ru-RU" dirty="0" err="1">
-                <a:solidFill>
-                  <a:srgbClr val="000000"/>
-                </a:solidFill>
-                <a:latin typeface="Tahoma" panose="020B0604030504040204" pitchFamily="34" charset="0"/>
-                <a:ea typeface="Calibri" panose="020F0502020204030204" pitchFamily="34" charset="0"/>
-                <a:cs typeface="Times New Roman" panose="02020603050405020304" pitchFamily="18" charset="0"/>
-              </a:rPr>
-              <a:t>блокчейн</a:t>
-            </a:r>
-            <a:endParaRPr lang="ru-RU" sz="2400" dirty="0">
-              <a:effectLst/>
-              <a:latin typeface="Calibri" panose="020F0502020204030204" pitchFamily="34" charset="0"/>
-              <a:ea typeface="Calibri" panose="020F0502020204030204" pitchFamily="34" charset="0"/>
-              <a:cs typeface="Times New Roman" panose="02020603050405020304" pitchFamily="18" charset="0"/>
-            </a:endParaRPr>
-          </a:p>
-        </p:txBody>
-      </p:sp>
-    </p:spTree>
-    <p:extLst>
-      <p:ext uri="{BB962C8B-B14F-4D97-AF65-F5344CB8AC3E}">
-        <p14:creationId xmlns:p14="http://schemas.microsoft.com/office/powerpoint/2010/main" val="2867955165"/>
       </p:ext>
     </p:extLst>
   </p:cSld>

--- a/Presentation/Презентация.pptx
+++ b/Presentation/Презентация.pptx
@@ -12,11 +12,12 @@
     <p:sldId id="262" r:id="rId6"/>
     <p:sldId id="261" r:id="rId7"/>
     <p:sldId id="264" r:id="rId8"/>
-    <p:sldId id="266" r:id="rId9"/>
-    <p:sldId id="260" r:id="rId10"/>
-    <p:sldId id="265" r:id="rId11"/>
-    <p:sldId id="267" r:id="rId12"/>
-    <p:sldId id="256" r:id="rId13"/>
+    <p:sldId id="268" r:id="rId9"/>
+    <p:sldId id="266" r:id="rId10"/>
+    <p:sldId id="260" r:id="rId11"/>
+    <p:sldId id="265" r:id="rId12"/>
+    <p:sldId id="267" r:id="rId13"/>
+    <p:sldId id="256" r:id="rId14"/>
   </p:sldIdLst>
   <p:sldSz cx="12192000" cy="6858000"/>
   <p:notesSz cx="6858000" cy="9144000"/>
@@ -3106,8 +3107,8 @@
         </p:nvSpPr>
         <p:spPr>
           <a:xfrm>
-            <a:off x="1524000" y="1122363"/>
-            <a:ext cx="9144000" cy="878559"/>
+            <a:off x="-20732" y="3284650"/>
+            <a:ext cx="5500744" cy="1298108"/>
           </a:xfrm>
         </p:spPr>
         <p:txBody>
@@ -3120,7 +3121,7 @@
               <a:rPr lang="ru-RU" dirty="0" smtClean="0">
                 <a:latin typeface="Century Gothic" panose="020B0502020202020204" pitchFamily="34" charset="0"/>
               </a:rPr>
-              <a:t>Команда</a:t>
+              <a:t>Процент с банка</a:t>
             </a:r>
             <a:endParaRPr lang="ru-RU" dirty="0">
               <a:latin typeface="Century Gothic" panose="020B0502020202020204" pitchFamily="34" charset="0"/>
@@ -3144,440 +3145,244 @@
           <a:lstStyle/>
           <a:p>
             <a:r>
-              <a:rPr lang="ru-RU" dirty="0">
+              <a:rPr lang="ru-RU" dirty="0" smtClean="0">
                 <a:latin typeface="Century Gothic" panose="020B0502020202020204" pitchFamily="34" charset="0"/>
               </a:rPr>
               <a:t> </a:t>
             </a:r>
-          </a:p>
-        </p:txBody>
-      </p:sp>
-      <p:sp>
-        <p:nvSpPr>
-          <p:cNvPr id="4" name="Прямоугольник 3"/>
-          <p:cNvSpPr/>
+            <a:endParaRPr lang="ru-RU" dirty="0">
+              <a:latin typeface="Century Gothic" panose="020B0502020202020204" pitchFamily="34" charset="0"/>
+            </a:endParaRPr>
+          </a:p>
+        </p:txBody>
+      </p:sp>
+      <p:pic>
+        <p:nvPicPr>
+          <p:cNvPr id="4" name="Рисунок 3"/>
+          <p:cNvPicPr>
+            <a:picLocks noChangeAspect="1"/>
+          </p:cNvPicPr>
           <p:nvPr/>
-        </p:nvSpPr>
+        </p:nvPicPr>
+        <p:blipFill>
+          <a:blip r:embed="rId2">
+            <a:extLst>
+              <a:ext uri="{28A0092B-C50C-407E-A947-70E740481C1C}">
+                <a14:useLocalDpi xmlns:a14="http://schemas.microsoft.com/office/drawing/2010/main" val="0"/>
+              </a:ext>
+            </a:extLst>
+          </a:blip>
+          <a:stretch>
+            <a:fillRect/>
+          </a:stretch>
+        </p:blipFill>
         <p:spPr>
           <a:xfrm>
-            <a:off x="1323191" y="2191672"/>
-            <a:ext cx="9843247" cy="3371500"/>
+            <a:off x="768947" y="408879"/>
+            <a:ext cx="3921387" cy="2602375"/>
           </a:xfrm>
           <a:prstGeom prst="rect">
             <a:avLst/>
           </a:prstGeom>
         </p:spPr>
-        <p:txBody>
-          <a:bodyPr wrap="square">
-            <a:spAutoFit/>
+      </p:pic>
+      <p:pic>
+        <p:nvPicPr>
+          <p:cNvPr id="2050" name="Picture 2" descr="http://tankushin.ru/wp-content/uploads/2015/08/targeting.jpg"/>
+          <p:cNvPicPr>
+            <a:picLocks noChangeAspect="1" noChangeArrowheads="1"/>
+          </p:cNvPicPr>
+          <p:nvPr/>
+        </p:nvPicPr>
+        <p:blipFill>
+          <a:blip r:embed="rId3">
+            <a:extLst>
+              <a:ext uri="{28A0092B-C50C-407E-A947-70E740481C1C}">
+                <a14:useLocalDpi xmlns:a14="http://schemas.microsoft.com/office/drawing/2010/main" val="0"/>
+              </a:ext>
+            </a:extLst>
+          </a:blip>
+          <a:srcRect/>
+          <a:stretch>
+            <a:fillRect/>
+          </a:stretch>
+        </p:blipFill>
+        <p:spPr bwMode="auto">
+          <a:xfrm>
+            <a:off x="6459557" y="303324"/>
+            <a:ext cx="5048250" cy="2981326"/>
+          </a:xfrm>
+          <a:prstGeom prst="rect">
+            <a:avLst/>
+          </a:prstGeom>
+          <a:noFill/>
+          <a:extLst>
+            <a:ext uri="{909E8E84-426E-40DD-AFC4-6F175D3DCCD1}">
+              <a14:hiddenFill xmlns:a14="http://schemas.microsoft.com/office/drawing/2010/main">
+                <a:solidFill>
+                  <a:srgbClr val="FFFFFF"/>
+                </a:solidFill>
+              </a14:hiddenFill>
+            </a:ext>
+          </a:extLst>
+        </p:spPr>
+      </p:pic>
+      <p:sp>
+        <p:nvSpPr>
+          <p:cNvPr id="6" name="Заголовок 1"/>
+          <p:cNvSpPr txBox="1">
+            <a:spLocks/>
+          </p:cNvSpPr>
+          <p:nvPr/>
+        </p:nvSpPr>
+        <p:spPr>
+          <a:xfrm>
+            <a:off x="6233310" y="3361747"/>
+            <a:ext cx="5500744" cy="1298108"/>
+          </a:xfrm>
+          <a:prstGeom prst="rect">
+            <a:avLst/>
+          </a:prstGeom>
+        </p:spPr>
+        <p:txBody>
+          <a:bodyPr vert="horz" lIns="91440" tIns="45720" rIns="91440" bIns="45720" rtlCol="0" anchor="b">
+            <a:normAutofit fontScale="97500"/>
           </a:bodyPr>
-          <a:lstStyle/>
-          <a:p>
-            <a:pPr>
+          <a:lstStyle>
+            <a:lvl1pPr algn="ctr" defTabSz="914400" rtl="0" eaLnBrk="1" latinLnBrk="0" hangingPunct="1">
               <a:lnSpc>
-                <a:spcPct val="107000"/>
+                <a:spcPct val="90000"/>
               </a:lnSpc>
-              <a:spcAft>
-                <a:spcPts val="800"/>
-              </a:spcAft>
-            </a:pPr>
-            <a:r>
-              <a:rPr lang="ru-RU" sz="2400" b="1" dirty="0">
+              <a:spcBef>
+                <a:spcPct val="0"/>
+              </a:spcBef>
+              <a:buNone/>
+              <a:defRPr sz="6000" kern="1200">
                 <a:solidFill>
-                  <a:srgbClr val="000000"/>
+                  <a:schemeClr val="tx1"/>
                 </a:solidFill>
-                <a:latin typeface="Tahoma" panose="020B0604030504040204" pitchFamily="34" charset="0"/>
-                <a:ea typeface="Calibri" panose="020F0502020204030204" pitchFamily="34" charset="0"/>
-                <a:cs typeface="Times New Roman" panose="02020603050405020304" pitchFamily="18" charset="0"/>
-              </a:rPr>
-              <a:t>Владислав Кочетков </a:t>
-            </a:r>
-            <a:r>
-              <a:rPr lang="ru-RU" sz="2400" dirty="0">
+                <a:latin typeface="+mj-lt"/>
+                <a:ea typeface="+mj-ea"/>
+                <a:cs typeface="+mj-cs"/>
+              </a:defRPr>
+            </a:lvl1pPr>
+          </a:lstStyle>
+          <a:p>
+            <a:r>
+              <a:rPr lang="ru-RU" dirty="0" err="1" smtClean="0">
+                <a:latin typeface="Century Gothic" panose="020B0502020202020204" pitchFamily="34" charset="0"/>
+              </a:rPr>
+              <a:t>Таргетинг</a:t>
+            </a:r>
+            <a:endParaRPr lang="ru-RU" dirty="0" smtClean="0">
+              <a:latin typeface="Century Gothic" panose="020B0502020202020204" pitchFamily="34" charset="0"/>
+            </a:endParaRPr>
+          </a:p>
+          <a:p>
+            <a:endParaRPr lang="ru-RU" dirty="0" smtClean="0">
+              <a:latin typeface="Century Gothic" panose="020B0502020202020204" pitchFamily="34" charset="0"/>
+            </a:endParaRPr>
+          </a:p>
+        </p:txBody>
+      </p:sp>
+      <p:pic>
+        <p:nvPicPr>
+          <p:cNvPr id="2052" name="Picture 4" descr="http://goroskop-na-nedelu.ru/photos/59307b337ddb4.jpg"/>
+          <p:cNvPicPr>
+            <a:picLocks noChangeAspect="1" noChangeArrowheads="1"/>
+          </p:cNvPicPr>
+          <p:nvPr/>
+        </p:nvPicPr>
+        <p:blipFill>
+          <a:blip r:embed="rId4">
+            <a:extLst>
+              <a:ext uri="{28A0092B-C50C-407E-A947-70E740481C1C}">
+                <a14:useLocalDpi xmlns:a14="http://schemas.microsoft.com/office/drawing/2010/main" val="0"/>
+              </a:ext>
+            </a:extLst>
+          </a:blip>
+          <a:srcRect/>
+          <a:stretch>
+            <a:fillRect/>
+          </a:stretch>
+        </p:blipFill>
+        <p:spPr bwMode="auto">
+          <a:xfrm>
+            <a:off x="3776897" y="3910610"/>
+            <a:ext cx="3406229" cy="2694380"/>
+          </a:xfrm>
+          <a:prstGeom prst="rect">
+            <a:avLst/>
+          </a:prstGeom>
+          <a:noFill/>
+          <a:extLst>
+            <a:ext uri="{909E8E84-426E-40DD-AFC4-6F175D3DCCD1}">
+              <a14:hiddenFill xmlns:a14="http://schemas.microsoft.com/office/drawing/2010/main">
                 <a:solidFill>
-                  <a:srgbClr val="000000"/>
+                  <a:srgbClr val="FFFFFF"/>
                 </a:solidFill>
-                <a:latin typeface="Tahoma" panose="020B0604030504040204" pitchFamily="34" charset="0"/>
-                <a:ea typeface="Calibri" panose="020F0502020204030204" pitchFamily="34" charset="0"/>
-                <a:cs typeface="Times New Roman" panose="02020603050405020304" pitchFamily="18" charset="0"/>
-              </a:rPr>
-              <a:t>– </a:t>
-            </a:r>
-            <a:r>
-              <a:rPr lang="ru-RU" sz="2400" dirty="0" smtClean="0">
+              </a14:hiddenFill>
+            </a:ext>
+          </a:extLst>
+        </p:spPr>
+      </p:pic>
+      <p:sp>
+        <p:nvSpPr>
+          <p:cNvPr id="8" name="Заголовок 1"/>
+          <p:cNvSpPr txBox="1">
+            <a:spLocks/>
+          </p:cNvSpPr>
+          <p:nvPr/>
+        </p:nvSpPr>
+        <p:spPr>
+          <a:xfrm>
+            <a:off x="6459557" y="4633287"/>
+            <a:ext cx="5500744" cy="1298108"/>
+          </a:xfrm>
+          <a:prstGeom prst="rect">
+            <a:avLst/>
+          </a:prstGeom>
+        </p:spPr>
+        <p:txBody>
+          <a:bodyPr vert="horz" lIns="91440" tIns="45720" rIns="91440" bIns="45720" rtlCol="0" anchor="b">
+            <a:normAutofit fontScale="90000" lnSpcReduction="20000"/>
+          </a:bodyPr>
+          <a:lstStyle>
+            <a:lvl1pPr algn="ctr" defTabSz="914400" rtl="0" eaLnBrk="1" latinLnBrk="0" hangingPunct="1">
+              <a:lnSpc>
+                <a:spcPct val="90000"/>
+              </a:lnSpc>
+              <a:spcBef>
+                <a:spcPct val="0"/>
+              </a:spcBef>
+              <a:buNone/>
+              <a:defRPr sz="6000" kern="1200">
                 <a:solidFill>
-                  <a:srgbClr val="000000"/>
+                  <a:schemeClr val="tx1"/>
                 </a:solidFill>
-                <a:latin typeface="Tahoma" panose="020B0604030504040204" pitchFamily="34" charset="0"/>
-                <a:ea typeface="Calibri" panose="020F0502020204030204" pitchFamily="34" charset="0"/>
-                <a:cs typeface="Times New Roman" panose="02020603050405020304" pitchFamily="18" charset="0"/>
-              </a:rPr>
-              <a:t>визионер </a:t>
-            </a:r>
-            <a:r>
-              <a:rPr lang="ru-RU" sz="2400" dirty="0">
-                <a:solidFill>
-                  <a:srgbClr val="000000"/>
-                </a:solidFill>
-                <a:latin typeface="Tahoma" panose="020B0604030504040204" pitchFamily="34" charset="0"/>
-                <a:ea typeface="Calibri" panose="020F0502020204030204" pitchFamily="34" charset="0"/>
-                <a:cs typeface="Times New Roman" panose="02020603050405020304" pitchFamily="18" charset="0"/>
-              </a:rPr>
-              <a:t>- разработка идеи, </a:t>
-            </a:r>
-            <a:endParaRPr lang="ru-RU" sz="2400" dirty="0" smtClean="0">
-              <a:solidFill>
-                <a:srgbClr val="000000"/>
-              </a:solidFill>
-              <a:latin typeface="Tahoma" panose="020B0604030504040204" pitchFamily="34" charset="0"/>
-              <a:ea typeface="Calibri" panose="020F0502020204030204" pitchFamily="34" charset="0"/>
-              <a:cs typeface="Times New Roman" panose="02020603050405020304" pitchFamily="18" charset="0"/>
-            </a:endParaRPr>
-          </a:p>
-          <a:p>
-            <a:pPr>
-              <a:lnSpc>
-                <a:spcPct val="107000"/>
-              </a:lnSpc>
-              <a:spcAft>
-                <a:spcPts val="800"/>
-              </a:spcAft>
-            </a:pPr>
-            <a:r>
-              <a:rPr lang="ru-RU" sz="2400" dirty="0" smtClean="0">
-                <a:solidFill>
-                  <a:srgbClr val="000000"/>
-                </a:solidFill>
-                <a:latin typeface="Tahoma" panose="020B0604030504040204" pitchFamily="34" charset="0"/>
-                <a:ea typeface="Calibri" panose="020F0502020204030204" pitchFamily="34" charset="0"/>
-                <a:cs typeface="Times New Roman" panose="02020603050405020304" pitchFamily="18" charset="0"/>
-              </a:rPr>
-              <a:t>бизнес-модели</a:t>
-            </a:r>
-            <a:r>
-              <a:rPr lang="ru-RU" sz="2400" dirty="0">
-                <a:solidFill>
-                  <a:srgbClr val="000000"/>
-                </a:solidFill>
-                <a:latin typeface="Tahoma" panose="020B0604030504040204" pitchFamily="34" charset="0"/>
-                <a:ea typeface="Calibri" panose="020F0502020204030204" pitchFamily="34" charset="0"/>
-                <a:cs typeface="Times New Roman" panose="02020603050405020304" pitchFamily="18" charset="0"/>
-              </a:rPr>
-              <a:t>, математической логики, упаковка </a:t>
-            </a:r>
-            <a:endParaRPr lang="ru-RU" sz="2400" dirty="0" smtClean="0">
-              <a:effectLst/>
-              <a:latin typeface="Calibri" panose="020F0502020204030204" pitchFamily="34" charset="0"/>
-              <a:ea typeface="Calibri" panose="020F0502020204030204" pitchFamily="34" charset="0"/>
-              <a:cs typeface="Times New Roman" panose="02020603050405020304" pitchFamily="18" charset="0"/>
-            </a:endParaRPr>
-          </a:p>
-          <a:p>
-            <a:pPr>
-              <a:lnSpc>
-                <a:spcPct val="107000"/>
-              </a:lnSpc>
-              <a:spcAft>
-                <a:spcPts val="800"/>
-              </a:spcAft>
-            </a:pPr>
-            <a:r>
-              <a:rPr lang="ru-RU" sz="2400" b="1" dirty="0">
-                <a:solidFill>
-                  <a:srgbClr val="000000"/>
-                </a:solidFill>
-                <a:latin typeface="Tahoma" panose="020B0604030504040204" pitchFamily="34" charset="0"/>
-                <a:ea typeface="Calibri" panose="020F0502020204030204" pitchFamily="34" charset="0"/>
-                <a:cs typeface="Times New Roman" panose="02020603050405020304" pitchFamily="18" charset="0"/>
-              </a:rPr>
-              <a:t>Вадим </a:t>
-            </a:r>
-            <a:r>
-              <a:rPr lang="ru-RU" sz="2400" b="1" dirty="0" err="1" smtClean="0">
-                <a:solidFill>
-                  <a:srgbClr val="000000"/>
-                </a:solidFill>
-                <a:latin typeface="Tahoma" panose="020B0604030504040204" pitchFamily="34" charset="0"/>
-                <a:ea typeface="Calibri" panose="020F0502020204030204" pitchFamily="34" charset="0"/>
-                <a:cs typeface="Times New Roman" panose="02020603050405020304" pitchFamily="18" charset="0"/>
-              </a:rPr>
-              <a:t>Комышенец</a:t>
-            </a:r>
-            <a:r>
-              <a:rPr lang="ru-RU" sz="2400" dirty="0" smtClean="0">
-                <a:solidFill>
-                  <a:srgbClr val="000000"/>
-                </a:solidFill>
-                <a:latin typeface="Tahoma" panose="020B0604030504040204" pitchFamily="34" charset="0"/>
-                <a:ea typeface="Calibri" panose="020F0502020204030204" pitchFamily="34" charset="0"/>
-                <a:cs typeface="Times New Roman" panose="02020603050405020304" pitchFamily="18" charset="0"/>
-              </a:rPr>
-              <a:t>, </a:t>
-            </a:r>
-            <a:r>
-              <a:rPr lang="ru-RU" sz="2400" b="1" dirty="0" smtClean="0">
-                <a:solidFill>
-                  <a:srgbClr val="000000"/>
-                </a:solidFill>
-                <a:latin typeface="Tahoma" panose="020B0604030504040204" pitchFamily="34" charset="0"/>
-                <a:ea typeface="Calibri" panose="020F0502020204030204" pitchFamily="34" charset="0"/>
-                <a:cs typeface="Times New Roman" panose="02020603050405020304" pitchFamily="18" charset="0"/>
-              </a:rPr>
-              <a:t>Александр </a:t>
-            </a:r>
-            <a:r>
-              <a:rPr lang="ru-RU" sz="2400" b="1" dirty="0" err="1">
-                <a:solidFill>
-                  <a:srgbClr val="000000"/>
-                </a:solidFill>
-                <a:latin typeface="Tahoma" panose="020B0604030504040204" pitchFamily="34" charset="0"/>
-                <a:ea typeface="Calibri" panose="020F0502020204030204" pitchFamily="34" charset="0"/>
-                <a:cs typeface="Times New Roman" panose="02020603050405020304" pitchFamily="18" charset="0"/>
-              </a:rPr>
-              <a:t>Чариков</a:t>
-            </a:r>
-            <a:r>
-              <a:rPr lang="ru-RU" sz="2400" b="1" dirty="0">
-                <a:solidFill>
-                  <a:srgbClr val="000000"/>
-                </a:solidFill>
-                <a:latin typeface="Tahoma" panose="020B0604030504040204" pitchFamily="34" charset="0"/>
-                <a:ea typeface="Calibri" panose="020F0502020204030204" pitchFamily="34" charset="0"/>
-                <a:cs typeface="Times New Roman" panose="02020603050405020304" pitchFamily="18" charset="0"/>
-              </a:rPr>
-              <a:t> </a:t>
-            </a:r>
-            <a:endParaRPr lang="ru-RU" sz="2400" b="1" dirty="0" smtClean="0">
-              <a:solidFill>
-                <a:srgbClr val="000000"/>
-              </a:solidFill>
-              <a:latin typeface="Tahoma" panose="020B0604030504040204" pitchFamily="34" charset="0"/>
-              <a:ea typeface="Calibri" panose="020F0502020204030204" pitchFamily="34" charset="0"/>
-              <a:cs typeface="Times New Roman" panose="02020603050405020304" pitchFamily="18" charset="0"/>
-            </a:endParaRPr>
-          </a:p>
-          <a:p>
-            <a:pPr>
-              <a:lnSpc>
-                <a:spcPct val="107000"/>
-              </a:lnSpc>
-              <a:spcAft>
-                <a:spcPts val="800"/>
-              </a:spcAft>
-            </a:pPr>
-            <a:r>
-              <a:rPr lang="en-US" sz="2400" dirty="0" smtClean="0">
-                <a:solidFill>
-                  <a:srgbClr val="000000"/>
-                </a:solidFill>
-                <a:latin typeface="Tahoma" panose="020B0604030504040204" pitchFamily="34" charset="0"/>
-                <a:ea typeface="Calibri" panose="020F0502020204030204" pitchFamily="34" charset="0"/>
-                <a:cs typeface="Times New Roman" panose="02020603050405020304" pitchFamily="18" charset="0"/>
-              </a:rPr>
-              <a:t>Solidity</a:t>
-            </a:r>
-            <a:r>
-              <a:rPr lang="ru-RU" sz="2400" dirty="0" smtClean="0">
-                <a:solidFill>
-                  <a:srgbClr val="000000"/>
-                </a:solidFill>
-                <a:latin typeface="Tahoma" panose="020B0604030504040204" pitchFamily="34" charset="0"/>
-                <a:ea typeface="Calibri" panose="020F0502020204030204" pitchFamily="34" charset="0"/>
-                <a:cs typeface="Times New Roman" panose="02020603050405020304" pitchFamily="18" charset="0"/>
-              </a:rPr>
-              <a:t> разработчики</a:t>
-            </a:r>
-            <a:r>
-              <a:rPr lang="en-US" sz="2400" dirty="0" smtClean="0">
-                <a:solidFill>
-                  <a:srgbClr val="000000"/>
-                </a:solidFill>
-                <a:latin typeface="Tahoma" panose="020B0604030504040204" pitchFamily="34" charset="0"/>
-                <a:ea typeface="Calibri" panose="020F0502020204030204" pitchFamily="34" charset="0"/>
-                <a:cs typeface="Times New Roman" panose="02020603050405020304" pitchFamily="18" charset="0"/>
-              </a:rPr>
-              <a:t> </a:t>
-            </a:r>
-            <a:r>
-              <a:rPr lang="ru-RU" sz="2400" dirty="0">
-                <a:solidFill>
-                  <a:srgbClr val="000000"/>
-                </a:solidFill>
-                <a:latin typeface="Tahoma" panose="020B0604030504040204" pitchFamily="34" charset="0"/>
-                <a:ea typeface="Calibri" panose="020F0502020204030204" pitchFamily="34" charset="0"/>
-                <a:cs typeface="Times New Roman" panose="02020603050405020304" pitchFamily="18" charset="0"/>
-              </a:rPr>
-              <a:t>– смарт контракт, эмиссия </a:t>
-            </a:r>
-            <a:r>
-              <a:rPr lang="ru-RU" sz="2400" dirty="0" err="1">
-                <a:solidFill>
-                  <a:srgbClr val="000000"/>
-                </a:solidFill>
-                <a:latin typeface="Tahoma" panose="020B0604030504040204" pitchFamily="34" charset="0"/>
-                <a:ea typeface="Calibri" panose="020F0502020204030204" pitchFamily="34" charset="0"/>
-                <a:cs typeface="Times New Roman" panose="02020603050405020304" pitchFamily="18" charset="0"/>
-              </a:rPr>
-              <a:t>токенов</a:t>
-            </a:r>
-            <a:r>
-              <a:rPr lang="ru-RU" sz="2400" dirty="0">
-                <a:solidFill>
-                  <a:srgbClr val="000000"/>
-                </a:solidFill>
-                <a:latin typeface="Tahoma" panose="020B0604030504040204" pitchFamily="34" charset="0"/>
-                <a:ea typeface="Calibri" panose="020F0502020204030204" pitchFamily="34" charset="0"/>
-                <a:cs typeface="Times New Roman" panose="02020603050405020304" pitchFamily="18" charset="0"/>
-              </a:rPr>
-              <a:t>, написание алгоритма игры</a:t>
-            </a:r>
-            <a:endParaRPr lang="ru-RU" sz="2400" dirty="0" smtClean="0">
-              <a:effectLst/>
-              <a:latin typeface="Calibri" panose="020F0502020204030204" pitchFamily="34" charset="0"/>
-              <a:ea typeface="Calibri" panose="020F0502020204030204" pitchFamily="34" charset="0"/>
-              <a:cs typeface="Times New Roman" panose="02020603050405020304" pitchFamily="18" charset="0"/>
-            </a:endParaRPr>
-          </a:p>
-          <a:p>
-            <a:pPr>
-              <a:lnSpc>
-                <a:spcPct val="107000"/>
-              </a:lnSpc>
-              <a:spcAft>
-                <a:spcPts val="800"/>
-              </a:spcAft>
-            </a:pPr>
-            <a:r>
-              <a:rPr lang="ru-RU" sz="2400" b="1" dirty="0">
-                <a:solidFill>
-                  <a:srgbClr val="000000"/>
-                </a:solidFill>
-                <a:latin typeface="Tahoma" panose="020B0604030504040204" pitchFamily="34" charset="0"/>
-                <a:ea typeface="Calibri" panose="020F0502020204030204" pitchFamily="34" charset="0"/>
-                <a:cs typeface="Times New Roman" panose="02020603050405020304" pitchFamily="18" charset="0"/>
-              </a:rPr>
-              <a:t>Сергей Климентов </a:t>
-            </a:r>
-            <a:r>
-              <a:rPr lang="en-US" sz="2400" dirty="0">
-                <a:solidFill>
-                  <a:srgbClr val="000000"/>
-                </a:solidFill>
-                <a:latin typeface="Tahoma" panose="020B0604030504040204" pitchFamily="34" charset="0"/>
-                <a:ea typeface="Calibri" panose="020F0502020204030204" pitchFamily="34" charset="0"/>
-                <a:cs typeface="Times New Roman" panose="02020603050405020304" pitchFamily="18" charset="0"/>
-              </a:rPr>
-              <a:t>PM</a:t>
-            </a:r>
-            <a:r>
-              <a:rPr lang="ru-RU" sz="2400" dirty="0">
-                <a:solidFill>
-                  <a:srgbClr val="000000"/>
-                </a:solidFill>
-                <a:latin typeface="Tahoma" panose="020B0604030504040204" pitchFamily="34" charset="0"/>
-                <a:ea typeface="Calibri" panose="020F0502020204030204" pitchFamily="34" charset="0"/>
-                <a:cs typeface="Times New Roman" panose="02020603050405020304" pitchFamily="18" charset="0"/>
-              </a:rPr>
-              <a:t>, тайм-менеджмент</a:t>
-            </a:r>
-            <a:endParaRPr lang="ru-RU" sz="2400" dirty="0" smtClean="0">
-              <a:effectLst/>
-              <a:latin typeface="Calibri" panose="020F0502020204030204" pitchFamily="34" charset="0"/>
-              <a:ea typeface="Calibri" panose="020F0502020204030204" pitchFamily="34" charset="0"/>
-              <a:cs typeface="Times New Roman" panose="02020603050405020304" pitchFamily="18" charset="0"/>
-            </a:endParaRPr>
-          </a:p>
-          <a:p>
-            <a:pPr>
-              <a:lnSpc>
-                <a:spcPct val="107000"/>
-              </a:lnSpc>
-              <a:spcAft>
-                <a:spcPts val="800"/>
-              </a:spcAft>
-            </a:pPr>
-            <a:r>
-              <a:rPr lang="ru-RU" sz="2400" b="1" dirty="0">
-                <a:solidFill>
-                  <a:srgbClr val="000000"/>
-                </a:solidFill>
-                <a:latin typeface="Tahoma" panose="020B0604030504040204" pitchFamily="34" charset="0"/>
-                <a:ea typeface="Calibri" panose="020F0502020204030204" pitchFamily="34" charset="0"/>
-                <a:cs typeface="Times New Roman" panose="02020603050405020304" pitchFamily="18" charset="0"/>
-              </a:rPr>
-              <a:t>Артур </a:t>
-            </a:r>
-            <a:r>
-              <a:rPr lang="ru-RU" sz="2400" b="1" dirty="0" err="1" smtClean="0">
-                <a:solidFill>
-                  <a:srgbClr val="000000"/>
-                </a:solidFill>
-                <a:latin typeface="Tahoma" panose="020B0604030504040204" pitchFamily="34" charset="0"/>
-                <a:ea typeface="Calibri" panose="020F0502020204030204" pitchFamily="34" charset="0"/>
-                <a:cs typeface="Times New Roman" panose="02020603050405020304" pitchFamily="18" charset="0"/>
-              </a:rPr>
-              <a:t>Терегулов</a:t>
-            </a:r>
-            <a:r>
-              <a:rPr lang="ru-RU" sz="2400" b="1" dirty="0" smtClean="0">
-                <a:solidFill>
-                  <a:srgbClr val="000000"/>
-                </a:solidFill>
-                <a:latin typeface="Tahoma" panose="020B0604030504040204" pitchFamily="34" charset="0"/>
-                <a:ea typeface="Calibri" panose="020F0502020204030204" pitchFamily="34" charset="0"/>
-                <a:cs typeface="Times New Roman" panose="02020603050405020304" pitchFamily="18" charset="0"/>
-              </a:rPr>
-              <a:t> </a:t>
-            </a:r>
-            <a:r>
-              <a:rPr lang="ru-RU" sz="2400" dirty="0">
-                <a:solidFill>
-                  <a:srgbClr val="000000"/>
-                </a:solidFill>
-                <a:latin typeface="Tahoma" panose="020B0604030504040204" pitchFamily="34" charset="0"/>
-                <a:ea typeface="Calibri" panose="020F0502020204030204" pitchFamily="34" charset="0"/>
-                <a:cs typeface="Times New Roman" panose="02020603050405020304" pitchFamily="18" charset="0"/>
-              </a:rPr>
-              <a:t>– </a:t>
-            </a:r>
-            <a:r>
-              <a:rPr lang="en-US" sz="2400" dirty="0">
-                <a:solidFill>
-                  <a:srgbClr val="000000"/>
-                </a:solidFill>
-                <a:latin typeface="Tahoma" panose="020B0604030504040204" pitchFamily="34" charset="0"/>
-                <a:ea typeface="Calibri" panose="020F0502020204030204" pitchFamily="34" charset="0"/>
-                <a:cs typeface="Times New Roman" panose="02020603050405020304" pitchFamily="18" charset="0"/>
-              </a:rPr>
-              <a:t>adviser </a:t>
-            </a:r>
-            <a:r>
-              <a:rPr lang="ru-RU" sz="2400" dirty="0">
-                <a:solidFill>
-                  <a:srgbClr val="000000"/>
-                </a:solidFill>
-                <a:latin typeface="Tahoma" panose="020B0604030504040204" pitchFamily="34" charset="0"/>
-                <a:ea typeface="Calibri" panose="020F0502020204030204" pitchFamily="34" charset="0"/>
-                <a:cs typeface="Times New Roman" panose="02020603050405020304" pitchFamily="18" charset="0"/>
-              </a:rPr>
-              <a:t>по </a:t>
-            </a:r>
-            <a:r>
-              <a:rPr lang="ru-RU" sz="2400" dirty="0" err="1">
-                <a:solidFill>
-                  <a:srgbClr val="000000"/>
-                </a:solidFill>
-                <a:latin typeface="Tahoma" panose="020B0604030504040204" pitchFamily="34" charset="0"/>
-                <a:ea typeface="Calibri" panose="020F0502020204030204" pitchFamily="34" charset="0"/>
-                <a:cs typeface="Times New Roman" panose="02020603050405020304" pitchFamily="18" charset="0"/>
-              </a:rPr>
-              <a:t>блокчейн</a:t>
-            </a:r>
-            <a:endParaRPr lang="ru-RU" sz="2400" dirty="0">
-              <a:effectLst/>
-              <a:latin typeface="Calibri" panose="020F0502020204030204" pitchFamily="34" charset="0"/>
-              <a:ea typeface="Calibri" panose="020F0502020204030204" pitchFamily="34" charset="0"/>
-              <a:cs typeface="Times New Roman" panose="02020603050405020304" pitchFamily="18" charset="0"/>
+                <a:latin typeface="+mj-lt"/>
+                <a:ea typeface="+mj-ea"/>
+                <a:cs typeface="+mj-cs"/>
+              </a:defRPr>
+            </a:lvl1pPr>
+          </a:lstStyle>
+          <a:p>
+            <a:r>
+              <a:rPr lang="ru-RU" dirty="0" smtClean="0">
+                <a:latin typeface="Century Gothic" panose="020B0502020202020204" pitchFamily="34" charset="0"/>
+              </a:rPr>
+              <a:t>Магазины</a:t>
+            </a:r>
+          </a:p>
+          <a:p>
+            <a:r>
+              <a:rPr lang="ru-RU" dirty="0" smtClean="0">
+                <a:latin typeface="Century Gothic" panose="020B0502020202020204" pitchFamily="34" charset="0"/>
+              </a:rPr>
+              <a:t>партнеров</a:t>
+            </a:r>
+            <a:endParaRPr lang="ru-RU" dirty="0">
+              <a:latin typeface="Century Gothic" panose="020B0502020202020204" pitchFamily="34" charset="0"/>
             </a:endParaRPr>
           </a:p>
         </p:txBody>
@@ -3585,7 +3390,7 @@
     </p:spTree>
     <p:extLst>
       <p:ext uri="{BB962C8B-B14F-4D97-AF65-F5344CB8AC3E}">
-        <p14:creationId xmlns:p14="http://schemas.microsoft.com/office/powerpoint/2010/main" val="2867955165"/>
+        <p14:creationId xmlns:p14="http://schemas.microsoft.com/office/powerpoint/2010/main" val="334852768"/>
       </p:ext>
     </p:extLst>
   </p:cSld>
@@ -3641,6 +3446,531 @@
           </a:bodyPr>
           <a:lstStyle/>
           <a:p>
+            <a:r>
+              <a:rPr lang="ru-RU" dirty="0" smtClean="0">
+                <a:latin typeface="Century Gothic" panose="020B0502020202020204" pitchFamily="34" charset="0"/>
+              </a:rPr>
+              <a:t>Команда</a:t>
+            </a:r>
+            <a:endParaRPr lang="ru-RU" dirty="0">
+              <a:latin typeface="Century Gothic" panose="020B0502020202020204" pitchFamily="34" charset="0"/>
+            </a:endParaRPr>
+          </a:p>
+        </p:txBody>
+      </p:sp>
+      <p:sp>
+        <p:nvSpPr>
+          <p:cNvPr id="3" name="Подзаголовок 2"/>
+          <p:cNvSpPr>
+            <a:spLocks noGrp="1"/>
+          </p:cNvSpPr>
+          <p:nvPr>
+            <p:ph type="subTitle" idx="1"/>
+          </p:nvPr>
+        </p:nvSpPr>
+        <p:spPr/>
+        <p:txBody>
+          <a:bodyPr/>
+          <a:lstStyle/>
+          <a:p>
+            <a:r>
+              <a:rPr lang="ru-RU" dirty="0">
+                <a:latin typeface="Century Gothic" panose="020B0502020202020204" pitchFamily="34" charset="0"/>
+              </a:rPr>
+              <a:t> </a:t>
+            </a:r>
+          </a:p>
+        </p:txBody>
+      </p:sp>
+      <p:sp>
+        <p:nvSpPr>
+          <p:cNvPr id="4" name="Прямоугольник 3"/>
+          <p:cNvSpPr/>
+          <p:nvPr/>
+        </p:nvSpPr>
+        <p:spPr>
+          <a:xfrm>
+            <a:off x="1323191" y="2191672"/>
+            <a:ext cx="9843247" cy="3371500"/>
+          </a:xfrm>
+          <a:prstGeom prst="rect">
+            <a:avLst/>
+          </a:prstGeom>
+        </p:spPr>
+        <p:txBody>
+          <a:bodyPr wrap="square">
+            <a:spAutoFit/>
+          </a:bodyPr>
+          <a:lstStyle/>
+          <a:p>
+            <a:pPr>
+              <a:lnSpc>
+                <a:spcPct val="107000"/>
+              </a:lnSpc>
+              <a:spcAft>
+                <a:spcPts val="800"/>
+              </a:spcAft>
+            </a:pPr>
+            <a:r>
+              <a:rPr lang="ru-RU" sz="2400" b="1" dirty="0">
+                <a:solidFill>
+                  <a:srgbClr val="000000"/>
+                </a:solidFill>
+                <a:latin typeface="Tahoma" panose="020B0604030504040204" pitchFamily="34" charset="0"/>
+                <a:ea typeface="Calibri" panose="020F0502020204030204" pitchFamily="34" charset="0"/>
+                <a:cs typeface="Times New Roman" panose="02020603050405020304" pitchFamily="18" charset="0"/>
+              </a:rPr>
+              <a:t>Владислав Кочетков </a:t>
+            </a:r>
+            <a:r>
+              <a:rPr lang="ru-RU" sz="2400" dirty="0">
+                <a:solidFill>
+                  <a:srgbClr val="000000"/>
+                </a:solidFill>
+                <a:latin typeface="Tahoma" panose="020B0604030504040204" pitchFamily="34" charset="0"/>
+                <a:ea typeface="Calibri" panose="020F0502020204030204" pitchFamily="34" charset="0"/>
+                <a:cs typeface="Times New Roman" panose="02020603050405020304" pitchFamily="18" charset="0"/>
+              </a:rPr>
+              <a:t>– </a:t>
+            </a:r>
+            <a:r>
+              <a:rPr lang="ru-RU" sz="2400" dirty="0" smtClean="0">
+                <a:solidFill>
+                  <a:srgbClr val="000000"/>
+                </a:solidFill>
+                <a:latin typeface="Tahoma" panose="020B0604030504040204" pitchFamily="34" charset="0"/>
+                <a:ea typeface="Calibri" panose="020F0502020204030204" pitchFamily="34" charset="0"/>
+                <a:cs typeface="Times New Roman" panose="02020603050405020304" pitchFamily="18" charset="0"/>
+              </a:rPr>
+              <a:t>визионер </a:t>
+            </a:r>
+            <a:r>
+              <a:rPr lang="ru-RU" sz="2400" dirty="0">
+                <a:solidFill>
+                  <a:srgbClr val="000000"/>
+                </a:solidFill>
+                <a:latin typeface="Tahoma" panose="020B0604030504040204" pitchFamily="34" charset="0"/>
+                <a:ea typeface="Calibri" panose="020F0502020204030204" pitchFamily="34" charset="0"/>
+                <a:cs typeface="Times New Roman" panose="02020603050405020304" pitchFamily="18" charset="0"/>
+              </a:rPr>
+              <a:t>- разработка идеи, </a:t>
+            </a:r>
+            <a:endParaRPr lang="ru-RU" sz="2400" dirty="0" smtClean="0">
+              <a:solidFill>
+                <a:srgbClr val="000000"/>
+              </a:solidFill>
+              <a:latin typeface="Tahoma" panose="020B0604030504040204" pitchFamily="34" charset="0"/>
+              <a:ea typeface="Calibri" panose="020F0502020204030204" pitchFamily="34" charset="0"/>
+              <a:cs typeface="Times New Roman" panose="02020603050405020304" pitchFamily="18" charset="0"/>
+            </a:endParaRPr>
+          </a:p>
+          <a:p>
+            <a:pPr>
+              <a:lnSpc>
+                <a:spcPct val="107000"/>
+              </a:lnSpc>
+              <a:spcAft>
+                <a:spcPts val="800"/>
+              </a:spcAft>
+            </a:pPr>
+            <a:r>
+              <a:rPr lang="ru-RU" sz="2400" dirty="0" smtClean="0">
+                <a:solidFill>
+                  <a:srgbClr val="000000"/>
+                </a:solidFill>
+                <a:latin typeface="Tahoma" panose="020B0604030504040204" pitchFamily="34" charset="0"/>
+                <a:ea typeface="Calibri" panose="020F0502020204030204" pitchFamily="34" charset="0"/>
+                <a:cs typeface="Times New Roman" panose="02020603050405020304" pitchFamily="18" charset="0"/>
+              </a:rPr>
+              <a:t>бизнес-модели</a:t>
+            </a:r>
+            <a:r>
+              <a:rPr lang="ru-RU" sz="2400" dirty="0">
+                <a:solidFill>
+                  <a:srgbClr val="000000"/>
+                </a:solidFill>
+                <a:latin typeface="Tahoma" panose="020B0604030504040204" pitchFamily="34" charset="0"/>
+                <a:ea typeface="Calibri" panose="020F0502020204030204" pitchFamily="34" charset="0"/>
+                <a:cs typeface="Times New Roman" panose="02020603050405020304" pitchFamily="18" charset="0"/>
+              </a:rPr>
+              <a:t>, математической логики, упаковка </a:t>
+            </a:r>
+            <a:endParaRPr lang="ru-RU" sz="2400" dirty="0" smtClean="0">
+              <a:effectLst/>
+              <a:latin typeface="Calibri" panose="020F0502020204030204" pitchFamily="34" charset="0"/>
+              <a:ea typeface="Calibri" panose="020F0502020204030204" pitchFamily="34" charset="0"/>
+              <a:cs typeface="Times New Roman" panose="02020603050405020304" pitchFamily="18" charset="0"/>
+            </a:endParaRPr>
+          </a:p>
+          <a:p>
+            <a:pPr>
+              <a:lnSpc>
+                <a:spcPct val="107000"/>
+              </a:lnSpc>
+              <a:spcAft>
+                <a:spcPts val="800"/>
+              </a:spcAft>
+            </a:pPr>
+            <a:r>
+              <a:rPr lang="ru-RU" sz="2400" b="1" dirty="0">
+                <a:solidFill>
+                  <a:srgbClr val="000000"/>
+                </a:solidFill>
+                <a:latin typeface="Tahoma" panose="020B0604030504040204" pitchFamily="34" charset="0"/>
+                <a:ea typeface="Calibri" panose="020F0502020204030204" pitchFamily="34" charset="0"/>
+                <a:cs typeface="Times New Roman" panose="02020603050405020304" pitchFamily="18" charset="0"/>
+              </a:rPr>
+              <a:t>Вадим </a:t>
+            </a:r>
+            <a:r>
+              <a:rPr lang="ru-RU" sz="2400" b="1" dirty="0" err="1" smtClean="0">
+                <a:solidFill>
+                  <a:srgbClr val="000000"/>
+                </a:solidFill>
+                <a:latin typeface="Tahoma" panose="020B0604030504040204" pitchFamily="34" charset="0"/>
+                <a:ea typeface="Calibri" panose="020F0502020204030204" pitchFamily="34" charset="0"/>
+                <a:cs typeface="Times New Roman" panose="02020603050405020304" pitchFamily="18" charset="0"/>
+              </a:rPr>
+              <a:t>Комышенец</a:t>
+            </a:r>
+            <a:r>
+              <a:rPr lang="ru-RU" sz="2400" dirty="0" smtClean="0">
+                <a:solidFill>
+                  <a:srgbClr val="000000"/>
+                </a:solidFill>
+                <a:latin typeface="Tahoma" panose="020B0604030504040204" pitchFamily="34" charset="0"/>
+                <a:ea typeface="Calibri" panose="020F0502020204030204" pitchFamily="34" charset="0"/>
+                <a:cs typeface="Times New Roman" panose="02020603050405020304" pitchFamily="18" charset="0"/>
+              </a:rPr>
+              <a:t>, </a:t>
+            </a:r>
+            <a:r>
+              <a:rPr lang="ru-RU" sz="2400" b="1" dirty="0" smtClean="0">
+                <a:solidFill>
+                  <a:srgbClr val="000000"/>
+                </a:solidFill>
+                <a:latin typeface="Tahoma" panose="020B0604030504040204" pitchFamily="34" charset="0"/>
+                <a:ea typeface="Calibri" panose="020F0502020204030204" pitchFamily="34" charset="0"/>
+                <a:cs typeface="Times New Roman" panose="02020603050405020304" pitchFamily="18" charset="0"/>
+              </a:rPr>
+              <a:t>Александр </a:t>
+            </a:r>
+            <a:r>
+              <a:rPr lang="ru-RU" sz="2400" b="1" dirty="0" err="1">
+                <a:solidFill>
+                  <a:srgbClr val="000000"/>
+                </a:solidFill>
+                <a:latin typeface="Tahoma" panose="020B0604030504040204" pitchFamily="34" charset="0"/>
+                <a:ea typeface="Calibri" panose="020F0502020204030204" pitchFamily="34" charset="0"/>
+                <a:cs typeface="Times New Roman" panose="02020603050405020304" pitchFamily="18" charset="0"/>
+              </a:rPr>
+              <a:t>Чариков</a:t>
+            </a:r>
+            <a:r>
+              <a:rPr lang="ru-RU" sz="2400" b="1" dirty="0">
+                <a:solidFill>
+                  <a:srgbClr val="000000"/>
+                </a:solidFill>
+                <a:latin typeface="Tahoma" panose="020B0604030504040204" pitchFamily="34" charset="0"/>
+                <a:ea typeface="Calibri" panose="020F0502020204030204" pitchFamily="34" charset="0"/>
+                <a:cs typeface="Times New Roman" panose="02020603050405020304" pitchFamily="18" charset="0"/>
+              </a:rPr>
+              <a:t> </a:t>
+            </a:r>
+            <a:endParaRPr lang="ru-RU" sz="2400" b="1" dirty="0" smtClean="0">
+              <a:solidFill>
+                <a:srgbClr val="000000"/>
+              </a:solidFill>
+              <a:latin typeface="Tahoma" panose="020B0604030504040204" pitchFamily="34" charset="0"/>
+              <a:ea typeface="Calibri" panose="020F0502020204030204" pitchFamily="34" charset="0"/>
+              <a:cs typeface="Times New Roman" panose="02020603050405020304" pitchFamily="18" charset="0"/>
+            </a:endParaRPr>
+          </a:p>
+          <a:p>
+            <a:pPr>
+              <a:lnSpc>
+                <a:spcPct val="107000"/>
+              </a:lnSpc>
+              <a:spcAft>
+                <a:spcPts val="800"/>
+              </a:spcAft>
+            </a:pPr>
+            <a:r>
+              <a:rPr lang="en-US" sz="2400" dirty="0" smtClean="0">
+                <a:solidFill>
+                  <a:srgbClr val="000000"/>
+                </a:solidFill>
+                <a:latin typeface="Tahoma" panose="020B0604030504040204" pitchFamily="34" charset="0"/>
+                <a:ea typeface="Calibri" panose="020F0502020204030204" pitchFamily="34" charset="0"/>
+                <a:cs typeface="Times New Roman" panose="02020603050405020304" pitchFamily="18" charset="0"/>
+              </a:rPr>
+              <a:t>Solidity</a:t>
+            </a:r>
+            <a:r>
+              <a:rPr lang="ru-RU" sz="2400" dirty="0" smtClean="0">
+                <a:solidFill>
+                  <a:srgbClr val="000000"/>
+                </a:solidFill>
+                <a:latin typeface="Tahoma" panose="020B0604030504040204" pitchFamily="34" charset="0"/>
+                <a:ea typeface="Calibri" panose="020F0502020204030204" pitchFamily="34" charset="0"/>
+                <a:cs typeface="Times New Roman" panose="02020603050405020304" pitchFamily="18" charset="0"/>
+              </a:rPr>
+              <a:t> разработчики</a:t>
+            </a:r>
+            <a:r>
+              <a:rPr lang="en-US" sz="2400" dirty="0" smtClean="0">
+                <a:solidFill>
+                  <a:srgbClr val="000000"/>
+                </a:solidFill>
+                <a:latin typeface="Tahoma" panose="020B0604030504040204" pitchFamily="34" charset="0"/>
+                <a:ea typeface="Calibri" panose="020F0502020204030204" pitchFamily="34" charset="0"/>
+                <a:cs typeface="Times New Roman" panose="02020603050405020304" pitchFamily="18" charset="0"/>
+              </a:rPr>
+              <a:t> </a:t>
+            </a:r>
+            <a:r>
+              <a:rPr lang="ru-RU" sz="2400" dirty="0">
+                <a:solidFill>
+                  <a:srgbClr val="000000"/>
+                </a:solidFill>
+                <a:latin typeface="Tahoma" panose="020B0604030504040204" pitchFamily="34" charset="0"/>
+                <a:ea typeface="Calibri" panose="020F0502020204030204" pitchFamily="34" charset="0"/>
+                <a:cs typeface="Times New Roman" panose="02020603050405020304" pitchFamily="18" charset="0"/>
+              </a:rPr>
+              <a:t>– смарт контракт, эмиссия </a:t>
+            </a:r>
+            <a:r>
+              <a:rPr lang="ru-RU" sz="2400" dirty="0" err="1">
+                <a:solidFill>
+                  <a:srgbClr val="000000"/>
+                </a:solidFill>
+                <a:latin typeface="Tahoma" panose="020B0604030504040204" pitchFamily="34" charset="0"/>
+                <a:ea typeface="Calibri" panose="020F0502020204030204" pitchFamily="34" charset="0"/>
+                <a:cs typeface="Times New Roman" panose="02020603050405020304" pitchFamily="18" charset="0"/>
+              </a:rPr>
+              <a:t>токенов</a:t>
+            </a:r>
+            <a:r>
+              <a:rPr lang="ru-RU" sz="2400" dirty="0">
+                <a:solidFill>
+                  <a:srgbClr val="000000"/>
+                </a:solidFill>
+                <a:latin typeface="Tahoma" panose="020B0604030504040204" pitchFamily="34" charset="0"/>
+                <a:ea typeface="Calibri" panose="020F0502020204030204" pitchFamily="34" charset="0"/>
+                <a:cs typeface="Times New Roman" panose="02020603050405020304" pitchFamily="18" charset="0"/>
+              </a:rPr>
+              <a:t>, написание алгоритма игры</a:t>
+            </a:r>
+            <a:endParaRPr lang="ru-RU" sz="2400" dirty="0" smtClean="0">
+              <a:effectLst/>
+              <a:latin typeface="Calibri" panose="020F0502020204030204" pitchFamily="34" charset="0"/>
+              <a:ea typeface="Calibri" panose="020F0502020204030204" pitchFamily="34" charset="0"/>
+              <a:cs typeface="Times New Roman" panose="02020603050405020304" pitchFamily="18" charset="0"/>
+            </a:endParaRPr>
+          </a:p>
+          <a:p>
+            <a:pPr>
+              <a:lnSpc>
+                <a:spcPct val="107000"/>
+              </a:lnSpc>
+              <a:spcAft>
+                <a:spcPts val="800"/>
+              </a:spcAft>
+            </a:pPr>
+            <a:r>
+              <a:rPr lang="ru-RU" sz="2400" b="1" dirty="0">
+                <a:solidFill>
+                  <a:srgbClr val="000000"/>
+                </a:solidFill>
+                <a:latin typeface="Tahoma" panose="020B0604030504040204" pitchFamily="34" charset="0"/>
+                <a:ea typeface="Calibri" panose="020F0502020204030204" pitchFamily="34" charset="0"/>
+                <a:cs typeface="Times New Roman" panose="02020603050405020304" pitchFamily="18" charset="0"/>
+              </a:rPr>
+              <a:t>Сергей Климентов </a:t>
+            </a:r>
+            <a:r>
+              <a:rPr lang="en-US" sz="2400" dirty="0">
+                <a:solidFill>
+                  <a:srgbClr val="000000"/>
+                </a:solidFill>
+                <a:latin typeface="Tahoma" panose="020B0604030504040204" pitchFamily="34" charset="0"/>
+                <a:ea typeface="Calibri" panose="020F0502020204030204" pitchFamily="34" charset="0"/>
+                <a:cs typeface="Times New Roman" panose="02020603050405020304" pitchFamily="18" charset="0"/>
+              </a:rPr>
+              <a:t>PM</a:t>
+            </a:r>
+            <a:r>
+              <a:rPr lang="ru-RU" sz="2400" dirty="0">
+                <a:solidFill>
+                  <a:srgbClr val="000000"/>
+                </a:solidFill>
+                <a:latin typeface="Tahoma" panose="020B0604030504040204" pitchFamily="34" charset="0"/>
+                <a:ea typeface="Calibri" panose="020F0502020204030204" pitchFamily="34" charset="0"/>
+                <a:cs typeface="Times New Roman" panose="02020603050405020304" pitchFamily="18" charset="0"/>
+              </a:rPr>
+              <a:t>, тайм-менеджмент</a:t>
+            </a:r>
+            <a:endParaRPr lang="ru-RU" sz="2400" dirty="0" smtClean="0">
+              <a:effectLst/>
+              <a:latin typeface="Calibri" panose="020F0502020204030204" pitchFamily="34" charset="0"/>
+              <a:ea typeface="Calibri" panose="020F0502020204030204" pitchFamily="34" charset="0"/>
+              <a:cs typeface="Times New Roman" panose="02020603050405020304" pitchFamily="18" charset="0"/>
+            </a:endParaRPr>
+          </a:p>
+          <a:p>
+            <a:pPr>
+              <a:lnSpc>
+                <a:spcPct val="107000"/>
+              </a:lnSpc>
+              <a:spcAft>
+                <a:spcPts val="800"/>
+              </a:spcAft>
+            </a:pPr>
+            <a:r>
+              <a:rPr lang="ru-RU" sz="2400" b="1" dirty="0">
+                <a:solidFill>
+                  <a:srgbClr val="000000"/>
+                </a:solidFill>
+                <a:latin typeface="Tahoma" panose="020B0604030504040204" pitchFamily="34" charset="0"/>
+                <a:ea typeface="Calibri" panose="020F0502020204030204" pitchFamily="34" charset="0"/>
+                <a:cs typeface="Times New Roman" panose="02020603050405020304" pitchFamily="18" charset="0"/>
+              </a:rPr>
+              <a:t>Артур </a:t>
+            </a:r>
+            <a:r>
+              <a:rPr lang="ru-RU" sz="2400" b="1" dirty="0" err="1" smtClean="0">
+                <a:solidFill>
+                  <a:srgbClr val="000000"/>
+                </a:solidFill>
+                <a:latin typeface="Tahoma" panose="020B0604030504040204" pitchFamily="34" charset="0"/>
+                <a:ea typeface="Calibri" panose="020F0502020204030204" pitchFamily="34" charset="0"/>
+                <a:cs typeface="Times New Roman" panose="02020603050405020304" pitchFamily="18" charset="0"/>
+              </a:rPr>
+              <a:t>Терегулов</a:t>
+            </a:r>
+            <a:r>
+              <a:rPr lang="ru-RU" sz="2400" b="1" dirty="0" smtClean="0">
+                <a:solidFill>
+                  <a:srgbClr val="000000"/>
+                </a:solidFill>
+                <a:latin typeface="Tahoma" panose="020B0604030504040204" pitchFamily="34" charset="0"/>
+                <a:ea typeface="Calibri" panose="020F0502020204030204" pitchFamily="34" charset="0"/>
+                <a:cs typeface="Times New Roman" panose="02020603050405020304" pitchFamily="18" charset="0"/>
+              </a:rPr>
+              <a:t> </a:t>
+            </a:r>
+            <a:r>
+              <a:rPr lang="ru-RU" sz="2400" dirty="0">
+                <a:solidFill>
+                  <a:srgbClr val="000000"/>
+                </a:solidFill>
+                <a:latin typeface="Tahoma" panose="020B0604030504040204" pitchFamily="34" charset="0"/>
+                <a:ea typeface="Calibri" panose="020F0502020204030204" pitchFamily="34" charset="0"/>
+                <a:cs typeface="Times New Roman" panose="02020603050405020304" pitchFamily="18" charset="0"/>
+              </a:rPr>
+              <a:t>– </a:t>
+            </a:r>
+            <a:r>
+              <a:rPr lang="en-US" sz="2400" dirty="0">
+                <a:solidFill>
+                  <a:srgbClr val="000000"/>
+                </a:solidFill>
+                <a:latin typeface="Tahoma" panose="020B0604030504040204" pitchFamily="34" charset="0"/>
+                <a:ea typeface="Calibri" panose="020F0502020204030204" pitchFamily="34" charset="0"/>
+                <a:cs typeface="Times New Roman" panose="02020603050405020304" pitchFamily="18" charset="0"/>
+              </a:rPr>
+              <a:t>adviser </a:t>
+            </a:r>
+            <a:r>
+              <a:rPr lang="ru-RU" sz="2400" dirty="0">
+                <a:solidFill>
+                  <a:srgbClr val="000000"/>
+                </a:solidFill>
+                <a:latin typeface="Tahoma" panose="020B0604030504040204" pitchFamily="34" charset="0"/>
+                <a:ea typeface="Calibri" panose="020F0502020204030204" pitchFamily="34" charset="0"/>
+                <a:cs typeface="Times New Roman" panose="02020603050405020304" pitchFamily="18" charset="0"/>
+              </a:rPr>
+              <a:t>по </a:t>
+            </a:r>
+            <a:r>
+              <a:rPr lang="ru-RU" sz="2400" dirty="0" err="1">
+                <a:solidFill>
+                  <a:srgbClr val="000000"/>
+                </a:solidFill>
+                <a:latin typeface="Tahoma" panose="020B0604030504040204" pitchFamily="34" charset="0"/>
+                <a:ea typeface="Calibri" panose="020F0502020204030204" pitchFamily="34" charset="0"/>
+                <a:cs typeface="Times New Roman" panose="02020603050405020304" pitchFamily="18" charset="0"/>
+              </a:rPr>
+              <a:t>блокчейн</a:t>
+            </a:r>
+            <a:endParaRPr lang="ru-RU" sz="2400" dirty="0">
+              <a:effectLst/>
+              <a:latin typeface="Calibri" panose="020F0502020204030204" pitchFamily="34" charset="0"/>
+              <a:ea typeface="Calibri" panose="020F0502020204030204" pitchFamily="34" charset="0"/>
+              <a:cs typeface="Times New Roman" panose="02020603050405020304" pitchFamily="18" charset="0"/>
+            </a:endParaRPr>
+          </a:p>
+        </p:txBody>
+      </p:sp>
+    </p:spTree>
+    <p:extLst>
+      <p:ext uri="{BB962C8B-B14F-4D97-AF65-F5344CB8AC3E}">
+        <p14:creationId xmlns:p14="http://schemas.microsoft.com/office/powerpoint/2010/main" val="2867955165"/>
+      </p:ext>
+    </p:extLst>
+  </p:cSld>
+  <p:clrMapOvr>
+    <a:masterClrMapping/>
+  </p:clrMapOvr>
+  <p:timing>
+    <p:tnLst>
+      <p:par>
+        <p:cTn id="1" dur="indefinite" restart="never" nodeType="tmRoot"/>
+      </p:par>
+    </p:tnLst>
+  </p:timing>
+</p:sld>
+</file>
+
+<file path=ppt/slides/slide12.xml><?xml version="1.0" encoding="utf-8"?>
+<p:sld xmlns:a="http://schemas.openxmlformats.org/drawingml/2006/main" xmlns:r="http://schemas.openxmlformats.org/officeDocument/2006/relationships" xmlns:p="http://schemas.openxmlformats.org/presentationml/2006/main">
+  <p:cSld>
+    <p:spTree>
+      <p:nvGrpSpPr>
+        <p:cNvPr id="1" name=""/>
+        <p:cNvGrpSpPr/>
+        <p:nvPr/>
+      </p:nvGrpSpPr>
+      <p:grpSpPr>
+        <a:xfrm>
+          <a:off x="0" y="0"/>
+          <a:ext cx="0" cy="0"/>
+          <a:chOff x="0" y="0"/>
+          <a:chExt cx="0" cy="0"/>
+        </a:xfrm>
+      </p:grpSpPr>
+      <p:sp>
+        <p:nvSpPr>
+          <p:cNvPr id="2" name="Заголовок 1"/>
+          <p:cNvSpPr>
+            <a:spLocks noGrp="1"/>
+          </p:cNvSpPr>
+          <p:nvPr>
+            <p:ph type="ctrTitle"/>
+          </p:nvPr>
+        </p:nvSpPr>
+        <p:spPr>
+          <a:xfrm>
+            <a:off x="1524000" y="1122363"/>
+            <a:ext cx="9144000" cy="878559"/>
+          </a:xfrm>
+        </p:spPr>
+        <p:txBody>
+          <a:bodyPr>
+            <a:normAutofit fontScale="90000"/>
+          </a:bodyPr>
+          <a:lstStyle/>
+          <a:p>
             <a:endParaRPr lang="ru-RU" dirty="0">
               <a:latin typeface="Century Gothic" panose="020B0502020202020204" pitchFamily="34" charset="0"/>
             </a:endParaRPr>
@@ -3691,7 +4021,7 @@
 </p:sld>
 </file>
 
-<file path=ppt/slides/slide12.xml><?xml version="1.0" encoding="utf-8"?>
+<file path=ppt/slides/slide13.xml><?xml version="1.0" encoding="utf-8"?>
 <p:sld xmlns:a="http://schemas.openxmlformats.org/drawingml/2006/main" xmlns:r="http://schemas.openxmlformats.org/officeDocument/2006/relationships" xmlns:p="http://schemas.openxmlformats.org/presentationml/2006/main">
   <p:cSld>
     <p:spTree>
@@ -3988,19 +4318,7 @@
               <a:rPr lang="ru-RU" dirty="0" smtClean="0">
                 <a:latin typeface="Century Gothic" panose="020B0502020202020204" pitchFamily="34" charset="0"/>
               </a:rPr>
-              <a:t>Начни с </a:t>
-            </a:r>
-            <a:r>
-              <a:rPr lang="ru-RU" dirty="0" smtClean="0">
-                <a:latin typeface="Century Gothic" panose="020B0502020202020204" pitchFamily="34" charset="0"/>
-              </a:rPr>
-              <a:t>кем-то </a:t>
-            </a:r>
-            <a:r>
-              <a:rPr lang="ru-RU" dirty="0" smtClean="0">
-                <a:latin typeface="Century Gothic" panose="020B0502020202020204" pitchFamily="34" charset="0"/>
-              </a:rPr>
-              <a:t>и поддерживай</a:t>
+              <a:t>Начни с кем-то и поддерживай</a:t>
             </a:r>
             <a:endParaRPr lang="ru-RU" dirty="0">
               <a:latin typeface="Century Gothic" panose="020B0502020202020204" pitchFamily="34" charset="0"/>
@@ -4615,7 +4933,7 @@
         </p:nvSpPr>
         <p:spPr>
           <a:xfrm>
-            <a:off x="1308847" y="649027"/>
+            <a:off x="1524000" y="1122363"/>
             <a:ext cx="9144000" cy="878559"/>
           </a:xfrm>
         </p:spPr>
@@ -4629,13 +4947,20 @@
               <a:rPr lang="ru-RU" dirty="0" smtClean="0">
                 <a:latin typeface="Century Gothic" panose="020B0502020202020204" pitchFamily="34" charset="0"/>
               </a:rPr>
-              <a:t>Функционал</a:t>
-            </a:r>
-            <a:br>
+              <a:t>Что </a:t>
+            </a:r>
+            <a:r>
+              <a:rPr lang="ru-RU" dirty="0" err="1" smtClean="0">
+                <a:latin typeface="Century Gothic" panose="020B0502020202020204" pitchFamily="34" charset="0"/>
+              </a:rPr>
+              <a:t>накодили</a:t>
+            </a:r>
+            <a:r>
               <a:rPr lang="ru-RU" dirty="0" smtClean="0">
                 <a:latin typeface="Century Gothic" panose="020B0502020202020204" pitchFamily="34" charset="0"/>
               </a:rPr>
-            </a:br>
+              <a:t>?</a:t>
+            </a:r>
             <a:endParaRPr lang="ru-RU" dirty="0">
               <a:latin typeface="Century Gothic" panose="020B0502020202020204" pitchFamily="34" charset="0"/>
             </a:endParaRPr>
@@ -4654,197 +4979,116 @@
         </p:nvSpPr>
         <p:spPr>
           <a:xfrm>
-            <a:off x="839097" y="978945"/>
-            <a:ext cx="9506174" cy="5314277"/>
+            <a:off x="1640958" y="2000922"/>
+            <a:ext cx="9144000" cy="1655762"/>
           </a:xfrm>
         </p:spPr>
         <p:txBody>
           <a:bodyPr>
-            <a:normAutofit fontScale="92500" lnSpcReduction="10000"/>
+            <a:noAutofit/>
           </a:bodyPr>
           <a:lstStyle/>
           <a:p>
-            <a:pPr algn="l"/>
-            <a:r>
-              <a:rPr lang="ru-RU" dirty="0"/>
-              <a:t>Варианты </a:t>
-            </a:r>
-            <a:r>
-              <a:rPr lang="ru-RU" dirty="0" smtClean="0"/>
-              <a:t>активности: </a:t>
-            </a:r>
-            <a:r>
-              <a:rPr lang="ru-RU" dirty="0"/>
-              <a:t>б</a:t>
-            </a:r>
-            <a:r>
-              <a:rPr lang="ru-RU" dirty="0" smtClean="0"/>
-              <a:t>ег</a:t>
-            </a:r>
-            <a:r>
-              <a:rPr lang="ru-RU" dirty="0"/>
-              <a:t>, шаг, вело</a:t>
-            </a:r>
-          </a:p>
-          <a:p>
-            <a:pPr algn="l"/>
-            <a:r>
-              <a:rPr lang="ru-RU" dirty="0"/>
-              <a:t>Выбор партнера рядом, создание групп</a:t>
-            </a:r>
-          </a:p>
-          <a:p>
-            <a:pPr algn="l"/>
-            <a:r>
-              <a:rPr lang="ru-RU" dirty="0"/>
-              <a:t>Инфо о пользователе, статистика (скорость бега, дистанции, достижения, фото, о себе)</a:t>
-            </a:r>
-          </a:p>
-          <a:p>
-            <a:pPr algn="l"/>
-            <a:r>
-              <a:rPr lang="ru-RU" dirty="0"/>
-              <a:t>Чат</a:t>
-            </a:r>
-          </a:p>
-          <a:p>
-            <a:pPr algn="l"/>
-            <a:r>
-              <a:rPr lang="ru-RU" dirty="0"/>
-              <a:t>Постановка цели – </a:t>
-            </a:r>
-            <a:r>
-              <a:rPr lang="ru-RU" dirty="0" smtClean="0"/>
-              <a:t>пример: «пробежать сегодня </a:t>
-            </a:r>
-            <a:r>
-              <a:rPr lang="ru-RU" dirty="0"/>
-              <a:t>6 км за 1 </a:t>
-            </a:r>
-            <a:r>
-              <a:rPr lang="ru-RU" dirty="0" smtClean="0"/>
-              <a:t>час»</a:t>
-            </a:r>
-            <a:endParaRPr lang="ru-RU" dirty="0"/>
-          </a:p>
-          <a:p>
-            <a:pPr algn="l"/>
-            <a:r>
-              <a:rPr lang="ru-RU" dirty="0" err="1"/>
-              <a:t>Треккинг</a:t>
-            </a:r>
-            <a:r>
-              <a:rPr lang="ru-RU" dirty="0"/>
-              <a:t> по </a:t>
-            </a:r>
-            <a:r>
-              <a:rPr lang="en-US" dirty="0"/>
-              <a:t>GPS</a:t>
-            </a:r>
-            <a:r>
-              <a:rPr lang="ru-RU" dirty="0"/>
-              <a:t> + гироскоп, защита </a:t>
-            </a:r>
-            <a:r>
-              <a:rPr lang="ru-RU" dirty="0" smtClean="0"/>
-              <a:t>от</a:t>
-            </a:r>
-            <a:r>
-              <a:rPr lang="en-US" dirty="0" smtClean="0"/>
-              <a:t> root</a:t>
-            </a:r>
-            <a:endParaRPr lang="ru-RU" dirty="0"/>
-          </a:p>
-          <a:p>
-            <a:pPr algn="l"/>
-            <a:r>
-              <a:rPr lang="ru-RU" dirty="0"/>
-              <a:t>Рейтинг </a:t>
-            </a:r>
-            <a:r>
-              <a:rPr lang="ru-RU" dirty="0" smtClean="0"/>
-              <a:t>спортсменов</a:t>
-            </a:r>
-            <a:endParaRPr lang="ru-RU" dirty="0"/>
-          </a:p>
-          <a:p>
-            <a:pPr algn="l"/>
-            <a:r>
-              <a:rPr lang="ru-RU" dirty="0" err="1"/>
-              <a:t>Геймификация</a:t>
-            </a:r>
-            <a:r>
-              <a:rPr lang="ru-RU" dirty="0"/>
-              <a:t> (система званий и наград)</a:t>
-            </a:r>
-          </a:p>
-          <a:p>
-            <a:pPr algn="l"/>
-            <a:r>
-              <a:rPr lang="ru-RU" dirty="0"/>
-              <a:t>Авторизация через </a:t>
-            </a:r>
-            <a:r>
-              <a:rPr lang="en-US" dirty="0"/>
-              <a:t>Google</a:t>
-            </a:r>
-            <a:r>
-              <a:rPr lang="ru-RU" dirty="0"/>
-              <a:t>, </a:t>
-            </a:r>
-            <a:r>
-              <a:rPr lang="en-US" dirty="0"/>
-              <a:t>Facebook</a:t>
-            </a:r>
-            <a:r>
-              <a:rPr lang="ru-RU" dirty="0"/>
-              <a:t>, телефон</a:t>
-            </a:r>
-          </a:p>
-          <a:p>
-            <a:pPr algn="l"/>
-            <a:r>
-              <a:rPr lang="ru-RU" dirty="0"/>
-              <a:t>Подписка на </a:t>
-            </a:r>
-            <a:r>
-              <a:rPr lang="en-US" dirty="0"/>
-              <a:t>Pro </a:t>
-            </a:r>
-            <a:r>
-              <a:rPr lang="ru-RU" dirty="0"/>
-              <a:t>аккаунт – без рекламы + </a:t>
-            </a:r>
-            <a:r>
-              <a:rPr lang="ru-RU" dirty="0" smtClean="0"/>
-              <a:t>доп. функционал</a:t>
-            </a:r>
-          </a:p>
-          <a:p>
-            <a:pPr algn="l"/>
-            <a:r>
-              <a:rPr lang="en-US" dirty="0" smtClean="0"/>
-              <a:t>Crypto - </a:t>
-            </a:r>
-            <a:r>
-              <a:rPr lang="ru-RU" dirty="0" smtClean="0"/>
-              <a:t>кошелек </a:t>
-            </a:r>
-            <a:endParaRPr lang="ru-RU" dirty="0"/>
-          </a:p>
-          <a:p>
-            <a:pPr algn="l"/>
-            <a:r>
-              <a:rPr lang="ru-RU" dirty="0"/>
-              <a:t>Партнерский магазин + рекламный кабинет</a:t>
-            </a:r>
+            <a:r>
+              <a:rPr lang="ru-RU" sz="3200" dirty="0">
+                <a:latin typeface="Century Gothic" panose="020B0502020202020204" pitchFamily="34" charset="0"/>
+              </a:rPr>
+              <a:t> </a:t>
+            </a:r>
+            <a:r>
+              <a:rPr lang="ru-RU" sz="3200" dirty="0" smtClean="0">
+                <a:latin typeface="Century Gothic" panose="020B0502020202020204" pitchFamily="34" charset="0"/>
+              </a:rPr>
+              <a:t>Смарт контракт</a:t>
+            </a:r>
+            <a:r>
+              <a:rPr lang="ru-RU" sz="3200" dirty="0">
+                <a:latin typeface="Century Gothic" panose="020B0502020202020204" pitchFamily="34" charset="0"/>
+              </a:rPr>
+              <a:t>ы</a:t>
+            </a:r>
+            <a:r>
+              <a:rPr lang="ru-RU" sz="3200" dirty="0" smtClean="0">
+                <a:latin typeface="Century Gothic" panose="020B0502020202020204" pitchFamily="34" charset="0"/>
+              </a:rPr>
+              <a:t> на </a:t>
+            </a:r>
+            <a:r>
+              <a:rPr lang="en-US" sz="3200" dirty="0" err="1" smtClean="0">
+                <a:latin typeface="Century Gothic" panose="020B0502020202020204" pitchFamily="34" charset="0"/>
+              </a:rPr>
+              <a:t>Ethereum</a:t>
+            </a:r>
+            <a:r>
+              <a:rPr lang="en-US" sz="3200" dirty="0" smtClean="0">
+                <a:latin typeface="Century Gothic" panose="020B0502020202020204" pitchFamily="34" charset="0"/>
+              </a:rPr>
+              <a:t>:</a:t>
+            </a:r>
+            <a:endParaRPr lang="ru-RU" sz="3200" dirty="0" smtClean="0">
+              <a:latin typeface="Century Gothic" panose="020B0502020202020204" pitchFamily="34" charset="0"/>
+            </a:endParaRPr>
+          </a:p>
+          <a:p>
+            <a:r>
+              <a:rPr lang="ru-RU" sz="3200" dirty="0" smtClean="0">
+                <a:latin typeface="Century Gothic" panose="020B0502020202020204" pitchFamily="34" charset="0"/>
+              </a:rPr>
+              <a:t>Эмиссия </a:t>
+            </a:r>
+            <a:r>
+              <a:rPr lang="ru-RU" sz="3200" dirty="0" err="1" smtClean="0">
+                <a:latin typeface="Century Gothic" panose="020B0502020202020204" pitchFamily="34" charset="0"/>
+              </a:rPr>
+              <a:t>токена</a:t>
+            </a:r>
+            <a:endParaRPr lang="ru-RU" sz="3200" dirty="0" smtClean="0">
+              <a:latin typeface="Century Gothic" panose="020B0502020202020204" pitchFamily="34" charset="0"/>
+            </a:endParaRPr>
+          </a:p>
+          <a:p>
+            <a:r>
+              <a:rPr lang="ru-RU" sz="3200" dirty="0" smtClean="0">
+                <a:latin typeface="Century Gothic" panose="020B0502020202020204" pitchFamily="34" charset="0"/>
+              </a:rPr>
+              <a:t>Алгоритм распределение профита</a:t>
+            </a:r>
+          </a:p>
+          <a:p>
+            <a:r>
+              <a:rPr lang="ru-RU" sz="3200" dirty="0" smtClean="0">
+                <a:latin typeface="Century Gothic" panose="020B0502020202020204" pitchFamily="34" charset="0"/>
+              </a:rPr>
+              <a:t>+</a:t>
+            </a:r>
+          </a:p>
+          <a:p>
+            <a:r>
+              <a:rPr lang="ru-RU" sz="3200" dirty="0" smtClean="0">
+                <a:latin typeface="Century Gothic" panose="020B0502020202020204" pitchFamily="34" charset="0"/>
+              </a:rPr>
+              <a:t>Разработка идеи</a:t>
+            </a:r>
+          </a:p>
+          <a:p>
+            <a:r>
+              <a:rPr lang="ru-RU" sz="3200" dirty="0" smtClean="0">
+                <a:latin typeface="Century Gothic" panose="020B0502020202020204" pitchFamily="34" charset="0"/>
+              </a:rPr>
+              <a:t>Бизнес модель</a:t>
+            </a:r>
+          </a:p>
+          <a:p>
+            <a:endParaRPr lang="ru-RU" sz="3200" dirty="0">
+              <a:latin typeface="Century Gothic" panose="020B0502020202020204" pitchFamily="34" charset="0"/>
+            </a:endParaRPr>
           </a:p>
         </p:txBody>
       </p:sp>
     </p:spTree>
     <p:extLst>
       <p:ext uri="{BB962C8B-B14F-4D97-AF65-F5344CB8AC3E}">
-        <p14:creationId xmlns:p14="http://schemas.microsoft.com/office/powerpoint/2010/main" val="1030856913"/>
+        <p14:creationId xmlns:p14="http://schemas.microsoft.com/office/powerpoint/2010/main" val="2081265538"/>
       </p:ext>
     </p:extLst>
   </p:cSld>
@@ -4890,8 +5134,8 @@
         </p:nvSpPr>
         <p:spPr>
           <a:xfrm>
-            <a:off x="-20732" y="3284650"/>
-            <a:ext cx="5500744" cy="1298108"/>
+            <a:off x="1308847" y="649027"/>
+            <a:ext cx="9144000" cy="878559"/>
           </a:xfrm>
         </p:spPr>
         <p:txBody>
@@ -4904,8 +5148,13 @@
               <a:rPr lang="ru-RU" dirty="0" smtClean="0">
                 <a:latin typeface="Century Gothic" panose="020B0502020202020204" pitchFamily="34" charset="0"/>
               </a:rPr>
-              <a:t>Процент с банка</a:t>
-            </a:r>
+              <a:t>Функционал</a:t>
+            </a:r>
+            <a:br>
+              <a:rPr lang="ru-RU" dirty="0" smtClean="0">
+                <a:latin typeface="Century Gothic" panose="020B0502020202020204" pitchFamily="34" charset="0"/>
+              </a:rPr>
+            </a:br>
             <a:endParaRPr lang="ru-RU" dirty="0">
               <a:latin typeface="Century Gothic" panose="020B0502020202020204" pitchFamily="34" charset="0"/>
             </a:endParaRPr>
@@ -4922,258 +5171,199 @@
             <p:ph type="subTitle" idx="1"/>
           </p:nvPr>
         </p:nvSpPr>
-        <p:spPr/>
-        <p:txBody>
-          <a:bodyPr/>
-          <a:lstStyle/>
-          <a:p>
-            <a:r>
-              <a:rPr lang="ru-RU" dirty="0" smtClean="0">
-                <a:latin typeface="Century Gothic" panose="020B0502020202020204" pitchFamily="34" charset="0"/>
-              </a:rPr>
-              <a:t> </a:t>
-            </a:r>
-            <a:endParaRPr lang="ru-RU" dirty="0">
-              <a:latin typeface="Century Gothic" panose="020B0502020202020204" pitchFamily="34" charset="0"/>
-            </a:endParaRPr>
-          </a:p>
-        </p:txBody>
-      </p:sp>
-      <p:pic>
-        <p:nvPicPr>
-          <p:cNvPr id="4" name="Рисунок 3"/>
-          <p:cNvPicPr>
-            <a:picLocks noChangeAspect="1"/>
-          </p:cNvPicPr>
-          <p:nvPr/>
-        </p:nvPicPr>
-        <p:blipFill>
-          <a:blip r:embed="rId2">
-            <a:extLst>
-              <a:ext uri="{28A0092B-C50C-407E-A947-70E740481C1C}">
-                <a14:useLocalDpi xmlns:a14="http://schemas.microsoft.com/office/drawing/2010/main" val="0"/>
-              </a:ext>
-            </a:extLst>
-          </a:blip>
-          <a:stretch>
-            <a:fillRect/>
-          </a:stretch>
-        </p:blipFill>
         <p:spPr>
           <a:xfrm>
-            <a:off x="768947" y="408879"/>
-            <a:ext cx="3921387" cy="2602375"/>
+            <a:off x="839097" y="978945"/>
+            <a:ext cx="9506174" cy="5314277"/>
           </a:xfrm>
-          <a:prstGeom prst="rect">
-            <a:avLst/>
-          </a:prstGeom>
         </p:spPr>
-      </p:pic>
-      <p:pic>
-        <p:nvPicPr>
-          <p:cNvPr id="2050" name="Picture 2" descr="http://tankushin.ru/wp-content/uploads/2015/08/targeting.jpg"/>
-          <p:cNvPicPr>
-            <a:picLocks noChangeAspect="1" noChangeArrowheads="1"/>
-          </p:cNvPicPr>
-          <p:nvPr/>
-        </p:nvPicPr>
-        <p:blipFill>
-          <a:blip r:embed="rId3">
-            <a:extLst>
-              <a:ext uri="{28A0092B-C50C-407E-A947-70E740481C1C}">
-                <a14:useLocalDpi xmlns:a14="http://schemas.microsoft.com/office/drawing/2010/main" val="0"/>
-              </a:ext>
-            </a:extLst>
-          </a:blip>
-          <a:srcRect/>
-          <a:stretch>
-            <a:fillRect/>
-          </a:stretch>
-        </p:blipFill>
-        <p:spPr bwMode="auto">
-          <a:xfrm>
-            <a:off x="6459557" y="303324"/>
-            <a:ext cx="5048250" cy="2981326"/>
-          </a:xfrm>
-          <a:prstGeom prst="rect">
-            <a:avLst/>
-          </a:prstGeom>
-          <a:noFill/>
-          <a:extLst>
-            <a:ext uri="{909E8E84-426E-40DD-AFC4-6F175D3DCCD1}">
-              <a14:hiddenFill xmlns:a14="http://schemas.microsoft.com/office/drawing/2010/main">
-                <a:solidFill>
-                  <a:srgbClr val="FFFFFF"/>
-                </a:solidFill>
-              </a14:hiddenFill>
-            </a:ext>
-          </a:extLst>
-        </p:spPr>
-      </p:pic>
-      <p:sp>
-        <p:nvSpPr>
-          <p:cNvPr id="6" name="Заголовок 1"/>
-          <p:cNvSpPr txBox="1">
-            <a:spLocks/>
-          </p:cNvSpPr>
-          <p:nvPr/>
-        </p:nvSpPr>
-        <p:spPr>
-          <a:xfrm>
-            <a:off x="6233310" y="3361747"/>
-            <a:ext cx="5500744" cy="1298108"/>
-          </a:xfrm>
-          <a:prstGeom prst="rect">
-            <a:avLst/>
-          </a:prstGeom>
-        </p:spPr>
-        <p:txBody>
-          <a:bodyPr vert="horz" lIns="91440" tIns="45720" rIns="91440" bIns="45720" rtlCol="0" anchor="b">
-            <a:normAutofit fontScale="97500"/>
+        <p:txBody>
+          <a:bodyPr>
+            <a:normAutofit fontScale="92500" lnSpcReduction="10000"/>
           </a:bodyPr>
-          <a:lstStyle>
-            <a:lvl1pPr algn="ctr" defTabSz="914400" rtl="0" eaLnBrk="1" latinLnBrk="0" hangingPunct="1">
-              <a:lnSpc>
-                <a:spcPct val="90000"/>
-              </a:lnSpc>
-              <a:spcBef>
-                <a:spcPct val="0"/>
-              </a:spcBef>
-              <a:buNone/>
-              <a:defRPr sz="6000" kern="1200">
-                <a:solidFill>
-                  <a:schemeClr val="tx1"/>
-                </a:solidFill>
-                <a:latin typeface="+mj-lt"/>
-                <a:ea typeface="+mj-ea"/>
-                <a:cs typeface="+mj-cs"/>
-              </a:defRPr>
-            </a:lvl1pPr>
-          </a:lstStyle>
-          <a:p>
-            <a:r>
-              <a:rPr lang="ru-RU" dirty="0" err="1" smtClean="0">
-                <a:latin typeface="Century Gothic" panose="020B0502020202020204" pitchFamily="34" charset="0"/>
-              </a:rPr>
-              <a:t>Таргетинг</a:t>
-            </a:r>
-            <a:endParaRPr lang="ru-RU" dirty="0" smtClean="0">
-              <a:latin typeface="Century Gothic" panose="020B0502020202020204" pitchFamily="34" charset="0"/>
-            </a:endParaRPr>
-          </a:p>
-          <a:p>
-            <a:endParaRPr lang="ru-RU" dirty="0" smtClean="0">
-              <a:latin typeface="Century Gothic" panose="020B0502020202020204" pitchFamily="34" charset="0"/>
-            </a:endParaRPr>
-          </a:p>
-        </p:txBody>
-      </p:sp>
-      <p:pic>
-        <p:nvPicPr>
-          <p:cNvPr id="2052" name="Picture 4" descr="http://goroskop-na-nedelu.ru/photos/59307b337ddb4.jpg"/>
-          <p:cNvPicPr>
-            <a:picLocks noChangeAspect="1" noChangeArrowheads="1"/>
-          </p:cNvPicPr>
-          <p:nvPr/>
-        </p:nvPicPr>
-        <p:blipFill>
-          <a:blip r:embed="rId4">
-            <a:extLst>
-              <a:ext uri="{28A0092B-C50C-407E-A947-70E740481C1C}">
-                <a14:useLocalDpi xmlns:a14="http://schemas.microsoft.com/office/drawing/2010/main" val="0"/>
-              </a:ext>
-            </a:extLst>
-          </a:blip>
-          <a:srcRect/>
-          <a:stretch>
-            <a:fillRect/>
-          </a:stretch>
-        </p:blipFill>
-        <p:spPr bwMode="auto">
-          <a:xfrm>
-            <a:off x="3776897" y="3910610"/>
-            <a:ext cx="3406229" cy="2694380"/>
-          </a:xfrm>
-          <a:prstGeom prst="rect">
-            <a:avLst/>
-          </a:prstGeom>
-          <a:noFill/>
-          <a:extLst>
-            <a:ext uri="{909E8E84-426E-40DD-AFC4-6F175D3DCCD1}">
-              <a14:hiddenFill xmlns:a14="http://schemas.microsoft.com/office/drawing/2010/main">
-                <a:solidFill>
-                  <a:srgbClr val="FFFFFF"/>
-                </a:solidFill>
-              </a14:hiddenFill>
-            </a:ext>
-          </a:extLst>
-        </p:spPr>
-      </p:pic>
-      <p:sp>
-        <p:nvSpPr>
-          <p:cNvPr id="8" name="Заголовок 1"/>
-          <p:cNvSpPr txBox="1">
-            <a:spLocks/>
-          </p:cNvSpPr>
-          <p:nvPr/>
-        </p:nvSpPr>
-        <p:spPr>
-          <a:xfrm>
-            <a:off x="6459557" y="4633287"/>
-            <a:ext cx="5500744" cy="1298108"/>
-          </a:xfrm>
-          <a:prstGeom prst="rect">
-            <a:avLst/>
-          </a:prstGeom>
-        </p:spPr>
-        <p:txBody>
-          <a:bodyPr vert="horz" lIns="91440" tIns="45720" rIns="91440" bIns="45720" rtlCol="0" anchor="b">
-            <a:normAutofit fontScale="90000" lnSpcReduction="20000"/>
-          </a:bodyPr>
-          <a:lstStyle>
-            <a:lvl1pPr algn="ctr" defTabSz="914400" rtl="0" eaLnBrk="1" latinLnBrk="0" hangingPunct="1">
-              <a:lnSpc>
-                <a:spcPct val="90000"/>
-              </a:lnSpc>
-              <a:spcBef>
-                <a:spcPct val="0"/>
-              </a:spcBef>
-              <a:buNone/>
-              <a:defRPr sz="6000" kern="1200">
-                <a:solidFill>
-                  <a:schemeClr val="tx1"/>
-                </a:solidFill>
-                <a:latin typeface="+mj-lt"/>
-                <a:ea typeface="+mj-ea"/>
-                <a:cs typeface="+mj-cs"/>
-              </a:defRPr>
-            </a:lvl1pPr>
-          </a:lstStyle>
-          <a:p>
-            <a:r>
-              <a:rPr lang="ru-RU" dirty="0" smtClean="0">
-                <a:latin typeface="Century Gothic" panose="020B0502020202020204" pitchFamily="34" charset="0"/>
-              </a:rPr>
-              <a:t>Магазины</a:t>
-            </a:r>
-          </a:p>
-          <a:p>
-            <a:r>
-              <a:rPr lang="ru-RU" dirty="0" smtClean="0">
-                <a:latin typeface="Century Gothic" panose="020B0502020202020204" pitchFamily="34" charset="0"/>
-              </a:rPr>
-              <a:t>партнеров</a:t>
-            </a:r>
-            <a:endParaRPr lang="ru-RU" dirty="0">
-              <a:latin typeface="Century Gothic" panose="020B0502020202020204" pitchFamily="34" charset="0"/>
-            </a:endParaRPr>
+          <a:lstStyle/>
+          <a:p>
+            <a:pPr algn="l"/>
+            <a:r>
+              <a:rPr lang="ru-RU" dirty="0"/>
+              <a:t>Варианты </a:t>
+            </a:r>
+            <a:r>
+              <a:rPr lang="ru-RU" dirty="0" smtClean="0"/>
+              <a:t>активности: </a:t>
+            </a:r>
+            <a:r>
+              <a:rPr lang="ru-RU" dirty="0"/>
+              <a:t>б</a:t>
+            </a:r>
+            <a:r>
+              <a:rPr lang="ru-RU" dirty="0" smtClean="0"/>
+              <a:t>ег</a:t>
+            </a:r>
+            <a:r>
+              <a:rPr lang="ru-RU" dirty="0"/>
+              <a:t>, шаг, вело</a:t>
+            </a:r>
+          </a:p>
+          <a:p>
+            <a:pPr algn="l"/>
+            <a:r>
+              <a:rPr lang="ru-RU" dirty="0"/>
+              <a:t>Выбор партнера рядом, создание групп</a:t>
+            </a:r>
+          </a:p>
+          <a:p>
+            <a:pPr algn="l"/>
+            <a:r>
+              <a:rPr lang="ru-RU" dirty="0"/>
+              <a:t>Инфо о пользователе, статистика (скорость бега, дистанции, достижения, фото, о себе)</a:t>
+            </a:r>
+          </a:p>
+          <a:p>
+            <a:pPr algn="l"/>
+            <a:r>
+              <a:rPr lang="ru-RU" dirty="0"/>
+              <a:t>Чат</a:t>
+            </a:r>
+          </a:p>
+          <a:p>
+            <a:pPr algn="l"/>
+            <a:r>
+              <a:rPr lang="ru-RU" dirty="0"/>
+              <a:t>Постановка цели – </a:t>
+            </a:r>
+            <a:r>
+              <a:rPr lang="ru-RU" dirty="0" smtClean="0"/>
+              <a:t>пример: «пробежать сегодня </a:t>
+            </a:r>
+            <a:r>
+              <a:rPr lang="ru-RU" dirty="0"/>
+              <a:t>6 км за 1 </a:t>
+            </a:r>
+            <a:r>
+              <a:rPr lang="ru-RU" dirty="0" smtClean="0"/>
+              <a:t>час»</a:t>
+            </a:r>
+            <a:endParaRPr lang="ru-RU" dirty="0"/>
+          </a:p>
+          <a:p>
+            <a:pPr algn="l"/>
+            <a:r>
+              <a:rPr lang="ru-RU" dirty="0" err="1"/>
+              <a:t>Треккинг</a:t>
+            </a:r>
+            <a:r>
+              <a:rPr lang="ru-RU" dirty="0"/>
+              <a:t> по </a:t>
+            </a:r>
+            <a:r>
+              <a:rPr lang="en-US" dirty="0"/>
+              <a:t>GPS</a:t>
+            </a:r>
+            <a:r>
+              <a:rPr lang="ru-RU" dirty="0"/>
+              <a:t> + гироскоп, защита </a:t>
+            </a:r>
+            <a:r>
+              <a:rPr lang="ru-RU" dirty="0" smtClean="0"/>
+              <a:t>от</a:t>
+            </a:r>
+            <a:r>
+              <a:rPr lang="en-US" dirty="0" smtClean="0"/>
+              <a:t> root</a:t>
+            </a:r>
+            <a:endParaRPr lang="ru-RU" dirty="0"/>
+          </a:p>
+          <a:p>
+            <a:pPr algn="l"/>
+            <a:r>
+              <a:rPr lang="ru-RU" dirty="0"/>
+              <a:t>Рейтинг </a:t>
+            </a:r>
+            <a:r>
+              <a:rPr lang="ru-RU" dirty="0" smtClean="0"/>
+              <a:t>спортсменов</a:t>
+            </a:r>
+            <a:endParaRPr lang="ru-RU" dirty="0"/>
+          </a:p>
+          <a:p>
+            <a:pPr algn="l"/>
+            <a:r>
+              <a:rPr lang="ru-RU" dirty="0" err="1"/>
+              <a:t>Геймификация</a:t>
+            </a:r>
+            <a:r>
+              <a:rPr lang="ru-RU" dirty="0"/>
+              <a:t> (система званий и наград)</a:t>
+            </a:r>
+          </a:p>
+          <a:p>
+            <a:pPr algn="l"/>
+            <a:r>
+              <a:rPr lang="ru-RU" dirty="0"/>
+              <a:t>Авторизация через </a:t>
+            </a:r>
+            <a:r>
+              <a:rPr lang="en-US" dirty="0"/>
+              <a:t>Google</a:t>
+            </a:r>
+            <a:r>
+              <a:rPr lang="ru-RU" dirty="0"/>
+              <a:t>, </a:t>
+            </a:r>
+            <a:r>
+              <a:rPr lang="en-US" dirty="0"/>
+              <a:t>Facebook</a:t>
+            </a:r>
+            <a:r>
+              <a:rPr lang="ru-RU" dirty="0"/>
+              <a:t>, телефон</a:t>
+            </a:r>
+          </a:p>
+          <a:p>
+            <a:pPr algn="l"/>
+            <a:r>
+              <a:rPr lang="ru-RU" dirty="0"/>
+              <a:t>Подписка на </a:t>
+            </a:r>
+            <a:r>
+              <a:rPr lang="en-US" dirty="0"/>
+              <a:t>Pro </a:t>
+            </a:r>
+            <a:r>
+              <a:rPr lang="ru-RU" dirty="0"/>
+              <a:t>аккаунт – без рекламы + </a:t>
+            </a:r>
+            <a:r>
+              <a:rPr lang="ru-RU" dirty="0" smtClean="0"/>
+              <a:t>доп. функционал</a:t>
+            </a:r>
+          </a:p>
+          <a:p>
+            <a:pPr algn="l"/>
+            <a:r>
+              <a:rPr lang="en-US" dirty="0" smtClean="0"/>
+              <a:t>Crypto - </a:t>
+            </a:r>
+            <a:r>
+              <a:rPr lang="ru-RU" dirty="0" smtClean="0"/>
+              <a:t>кошелек </a:t>
+            </a:r>
+            <a:endParaRPr lang="ru-RU" dirty="0"/>
+          </a:p>
+          <a:p>
+            <a:pPr algn="l"/>
+            <a:r>
+              <a:rPr lang="ru-RU" dirty="0"/>
+              <a:t>Партнерский магазин + рекламный кабинет</a:t>
+            </a:r>
           </a:p>
         </p:txBody>
       </p:sp>
     </p:spTree>
     <p:extLst>
       <p:ext uri="{BB962C8B-B14F-4D97-AF65-F5344CB8AC3E}">
-        <p14:creationId xmlns:p14="http://schemas.microsoft.com/office/powerpoint/2010/main" val="334852768"/>
+        <p14:creationId xmlns:p14="http://schemas.microsoft.com/office/powerpoint/2010/main" val="1030856913"/>
       </p:ext>
     </p:extLst>
   </p:cSld>

--- a/Presentation/Презентация.pptx
+++ b/Presentation/Презентация.pptx
@@ -16,8 +16,6 @@
     <p:sldId id="266" r:id="rId10"/>
     <p:sldId id="260" r:id="rId11"/>
     <p:sldId id="265" r:id="rId12"/>
-    <p:sldId id="267" r:id="rId13"/>
-    <p:sldId id="256" r:id="rId14"/>
   </p:sldIdLst>
   <p:sldSz cx="12192000" cy="6858000"/>
   <p:notesSz cx="6858000" cy="9144000"/>
@@ -3932,230 +3930,6 @@
 </p:sld>
 </file>
 
-<file path=ppt/slides/slide12.xml><?xml version="1.0" encoding="utf-8"?>
-<p:sld xmlns:a="http://schemas.openxmlformats.org/drawingml/2006/main" xmlns:r="http://schemas.openxmlformats.org/officeDocument/2006/relationships" xmlns:p="http://schemas.openxmlformats.org/presentationml/2006/main">
-  <p:cSld>
-    <p:spTree>
-      <p:nvGrpSpPr>
-        <p:cNvPr id="1" name=""/>
-        <p:cNvGrpSpPr/>
-        <p:nvPr/>
-      </p:nvGrpSpPr>
-      <p:grpSpPr>
-        <a:xfrm>
-          <a:off x="0" y="0"/>
-          <a:ext cx="0" cy="0"/>
-          <a:chOff x="0" y="0"/>
-          <a:chExt cx="0" cy="0"/>
-        </a:xfrm>
-      </p:grpSpPr>
-      <p:sp>
-        <p:nvSpPr>
-          <p:cNvPr id="2" name="Заголовок 1"/>
-          <p:cNvSpPr>
-            <a:spLocks noGrp="1"/>
-          </p:cNvSpPr>
-          <p:nvPr>
-            <p:ph type="ctrTitle"/>
-          </p:nvPr>
-        </p:nvSpPr>
-        <p:spPr>
-          <a:xfrm>
-            <a:off x="1524000" y="1122363"/>
-            <a:ext cx="9144000" cy="878559"/>
-          </a:xfrm>
-        </p:spPr>
-        <p:txBody>
-          <a:bodyPr>
-            <a:normAutofit fontScale="90000"/>
-          </a:bodyPr>
-          <a:lstStyle/>
-          <a:p>
-            <a:endParaRPr lang="ru-RU" dirty="0">
-              <a:latin typeface="Century Gothic" panose="020B0502020202020204" pitchFamily="34" charset="0"/>
-            </a:endParaRPr>
-          </a:p>
-        </p:txBody>
-      </p:sp>
-      <p:sp>
-        <p:nvSpPr>
-          <p:cNvPr id="3" name="Подзаголовок 2"/>
-          <p:cNvSpPr>
-            <a:spLocks noGrp="1"/>
-          </p:cNvSpPr>
-          <p:nvPr>
-            <p:ph type="subTitle" idx="1"/>
-          </p:nvPr>
-        </p:nvSpPr>
-        <p:spPr/>
-        <p:txBody>
-          <a:bodyPr/>
-          <a:lstStyle/>
-          <a:p>
-            <a:r>
-              <a:rPr lang="ru-RU" dirty="0">
-                <a:latin typeface="Century Gothic" panose="020B0502020202020204" pitchFamily="34" charset="0"/>
-              </a:rPr>
-              <a:t> </a:t>
-            </a:r>
-          </a:p>
-        </p:txBody>
-      </p:sp>
-    </p:spTree>
-    <p:extLst>
-      <p:ext uri="{BB962C8B-B14F-4D97-AF65-F5344CB8AC3E}">
-        <p14:creationId xmlns:p14="http://schemas.microsoft.com/office/powerpoint/2010/main" val="775832900"/>
-      </p:ext>
-    </p:extLst>
-  </p:cSld>
-  <p:clrMapOvr>
-    <a:masterClrMapping/>
-  </p:clrMapOvr>
-  <p:timing>
-    <p:tnLst>
-      <p:par>
-        <p:cTn id="1" dur="indefinite" restart="never" nodeType="tmRoot"/>
-      </p:par>
-    </p:tnLst>
-  </p:timing>
-</p:sld>
-</file>
-
-<file path=ppt/slides/slide13.xml><?xml version="1.0" encoding="utf-8"?>
-<p:sld xmlns:a="http://schemas.openxmlformats.org/drawingml/2006/main" xmlns:r="http://schemas.openxmlformats.org/officeDocument/2006/relationships" xmlns:p="http://schemas.openxmlformats.org/presentationml/2006/main">
-  <p:cSld>
-    <p:spTree>
-      <p:nvGrpSpPr>
-        <p:cNvPr id="1" name=""/>
-        <p:cNvGrpSpPr/>
-        <p:nvPr/>
-      </p:nvGrpSpPr>
-      <p:grpSpPr>
-        <a:xfrm>
-          <a:off x="0" y="0"/>
-          <a:ext cx="0" cy="0"/>
-          <a:chOff x="0" y="0"/>
-          <a:chExt cx="0" cy="0"/>
-        </a:xfrm>
-      </p:grpSpPr>
-      <p:sp>
-        <p:nvSpPr>
-          <p:cNvPr id="2" name="Заголовок 1"/>
-          <p:cNvSpPr>
-            <a:spLocks noGrp="1"/>
-          </p:cNvSpPr>
-          <p:nvPr>
-            <p:ph type="ctrTitle"/>
-          </p:nvPr>
-        </p:nvSpPr>
-        <p:spPr>
-          <a:xfrm>
-            <a:off x="1524000" y="1122363"/>
-            <a:ext cx="9144000" cy="878559"/>
-          </a:xfrm>
-        </p:spPr>
-        <p:txBody>
-          <a:bodyPr>
-            <a:normAutofit fontScale="90000"/>
-          </a:bodyPr>
-          <a:lstStyle/>
-          <a:p>
-            <a:r>
-              <a:rPr lang="ru-RU" dirty="0" smtClean="0">
-                <a:latin typeface="Century Gothic" panose="020B0502020202020204" pitchFamily="34" charset="0"/>
-              </a:rPr>
-              <a:t>Рынок</a:t>
-            </a:r>
-            <a:br>
-              <a:rPr lang="ru-RU" dirty="0" smtClean="0">
-                <a:latin typeface="Century Gothic" panose="020B0502020202020204" pitchFamily="34" charset="0"/>
-              </a:rPr>
-            </a:br>
-            <a:endParaRPr lang="ru-RU" dirty="0">
-              <a:latin typeface="Century Gothic" panose="020B0502020202020204" pitchFamily="34" charset="0"/>
-            </a:endParaRPr>
-          </a:p>
-        </p:txBody>
-      </p:sp>
-      <p:sp>
-        <p:nvSpPr>
-          <p:cNvPr id="3" name="Подзаголовок 2"/>
-          <p:cNvSpPr>
-            <a:spLocks noGrp="1"/>
-          </p:cNvSpPr>
-          <p:nvPr>
-            <p:ph type="subTitle" idx="1"/>
-          </p:nvPr>
-        </p:nvSpPr>
-        <p:spPr/>
-        <p:txBody>
-          <a:bodyPr/>
-          <a:lstStyle/>
-          <a:p>
-            <a:r>
-              <a:rPr lang="ru-RU" dirty="0">
-                <a:latin typeface="Century Gothic" panose="020B0502020202020204" pitchFamily="34" charset="0"/>
-              </a:rPr>
-              <a:t> рост популярности марафонского бега </a:t>
-            </a:r>
-            <a:r>
-              <a:rPr lang="ru-RU" dirty="0" smtClean="0">
-                <a:latin typeface="Century Gothic" panose="020B0502020202020204" pitchFamily="34" charset="0"/>
-              </a:rPr>
-              <a:t> с </a:t>
-            </a:r>
-            <a:r>
-              <a:rPr lang="ru-RU" dirty="0">
-                <a:latin typeface="Century Gothic" panose="020B0502020202020204" pitchFamily="34" charset="0"/>
-              </a:rPr>
-              <a:t>2009 по 2014 гг. составил 13.25</a:t>
-            </a:r>
-            <a:r>
-              <a:rPr lang="ru-RU" dirty="0" smtClean="0">
-                <a:latin typeface="Century Gothic" panose="020B0502020202020204" pitchFamily="34" charset="0"/>
-              </a:rPr>
-              <a:t>%.</a:t>
-            </a:r>
-            <a:r>
-              <a:rPr lang="en-US" dirty="0" smtClean="0">
-                <a:latin typeface="Century Gothic" panose="020B0502020202020204" pitchFamily="34" charset="0"/>
-              </a:rPr>
-              <a:t/>
-            </a:r>
-            <a:br>
-              <a:rPr lang="en-US" dirty="0" smtClean="0">
-                <a:latin typeface="Century Gothic" panose="020B0502020202020204" pitchFamily="34" charset="0"/>
-              </a:rPr>
-            </a:br>
-            <a:r>
-              <a:rPr lang="ru-RU" dirty="0">
-                <a:latin typeface="Century Gothic" panose="020B0502020202020204" pitchFamily="34" charset="0"/>
-              </a:rPr>
-              <a:t>Средняя по миру доля женщин, участвующих в марафонах, - 29.76%</a:t>
-            </a:r>
-          </a:p>
-        </p:txBody>
-      </p:sp>
-    </p:spTree>
-    <p:extLst>
-      <p:ext uri="{BB962C8B-B14F-4D97-AF65-F5344CB8AC3E}">
-        <p14:creationId xmlns:p14="http://schemas.microsoft.com/office/powerpoint/2010/main" val="1051437808"/>
-      </p:ext>
-    </p:extLst>
-  </p:cSld>
-  <p:clrMapOvr>
-    <a:masterClrMapping/>
-  </p:clrMapOvr>
-  <p:timing>
-    <p:tnLst>
-      <p:par>
-        <p:cTn id="1" dur="indefinite" restart="never" nodeType="tmRoot"/>
-      </p:par>
-    </p:tnLst>
-  </p:timing>
-</p:sld>
-</file>
-
 <file path=ppt/slides/slide2.xml><?xml version="1.0" encoding="utf-8"?>
 <p:sld xmlns:a="http://schemas.openxmlformats.org/drawingml/2006/main" xmlns:r="http://schemas.openxmlformats.org/officeDocument/2006/relationships" xmlns:p="http://schemas.openxmlformats.org/presentationml/2006/main">
   <p:cSld>
